--- a/ちょきんばこ紹介_運営者向け.pptx
+++ b/ちょきんばこ紹介_運営者向け.pptx
@@ -16,10 +16,10 @@
     <p:sldId id="281" r:id="rId4"/>
     <p:sldId id="283" r:id="rId5"/>
     <p:sldId id="285" r:id="rId6"/>
-    <p:sldId id="291" r:id="rId7"/>
-    <p:sldId id="293" r:id="rId8"/>
-    <p:sldId id="284" r:id="rId9"/>
-    <p:sldId id="295" r:id="rId10"/>
+    <p:sldId id="293" r:id="rId7"/>
+    <p:sldId id="296" r:id="rId8"/>
+    <p:sldId id="297" r:id="rId9"/>
+    <p:sldId id="298" r:id="rId10"/>
     <p:sldId id="275" r:id="rId11"/>
     <p:sldId id="276" r:id="rId12"/>
     <p:sldId id="290" r:id="rId13"/>
@@ -267,7 +267,7 @@
               <a:pPr>
                 <a:defRPr/>
               </a:pPr>
-              <a:t>14.2.28</a:t>
+              <a:t>14.3.18</a:t>
             </a:fld>
             <a:endParaRPr lang="ja-JP" altLang="en-US"/>
           </a:p>
@@ -371,7 +371,7 @@
     </p:spTree>
     <p:extLst>
       <p:ext uri="{BB962C8B-B14F-4D97-AF65-F5344CB8AC3E}">
-        <p14:creationId xmlns="" xmlns:a="http://schemas.openxmlformats.org/drawingml/2006/main" xmlns:r="http://schemas.openxmlformats.org/officeDocument/2006/relationships" xmlns:p="http://schemas.openxmlformats.org/presentationml/2006/main" xmlns:p14="http://schemas.microsoft.com/office/powerpoint/2010/main" xmlns:mv="urn:schemas-microsoft-com:mac:vml" xmlns:mc="http://schemas.openxmlformats.org/markup-compatibility/2006" val="3827821546"/>
+        <p14:creationId xmlns:mc="http://schemas.openxmlformats.org/markup-compatibility/2006" xmlns:mv="urn:schemas-microsoft-com:mac:vml" xmlns:p14="http://schemas.microsoft.com/office/powerpoint/2010/main" xmlns:p="http://schemas.openxmlformats.org/presentationml/2006/main" xmlns:r="http://schemas.openxmlformats.org/officeDocument/2006/relationships" xmlns:a="http://schemas.openxmlformats.org/drawingml/2006/main" xmlns="" val="3827821546"/>
       </p:ext>
     </p:extLst>
   </p:cSld>
@@ -491,7 +491,7 @@
               <a:pPr>
                 <a:defRPr/>
               </a:pPr>
-              <a:t>14.2.28</a:t>
+              <a:t>14.3.18</a:t>
             </a:fld>
             <a:endParaRPr lang="ja-JP" altLang="en-US"/>
           </a:p>
@@ -723,7 +723,7 @@
     </p:spTree>
     <p:extLst>
       <p:ext uri="{BB962C8B-B14F-4D97-AF65-F5344CB8AC3E}">
-        <p14:creationId xmlns="" xmlns:a="http://schemas.openxmlformats.org/drawingml/2006/main" xmlns:r="http://schemas.openxmlformats.org/officeDocument/2006/relationships" xmlns:p="http://schemas.openxmlformats.org/presentationml/2006/main" xmlns:p14="http://schemas.microsoft.com/office/powerpoint/2010/main" xmlns:mv="urn:schemas-microsoft-com:mac:vml" xmlns:mc="http://schemas.openxmlformats.org/markup-compatibility/2006" val="2417416935"/>
+        <p14:creationId xmlns:mc="http://schemas.openxmlformats.org/markup-compatibility/2006" xmlns:mv="urn:schemas-microsoft-com:mac:vml" xmlns:p14="http://schemas.microsoft.com/office/powerpoint/2010/main" xmlns:p="http://schemas.openxmlformats.org/presentationml/2006/main" xmlns:r="http://schemas.openxmlformats.org/officeDocument/2006/relationships" xmlns:a="http://schemas.openxmlformats.org/drawingml/2006/main" xmlns="" val="2417416935"/>
       </p:ext>
     </p:extLst>
   </p:cSld>
@@ -1255,7 +1255,7 @@
               <a:pPr>
                 <a:defRPr/>
               </a:pPr>
-              <a:t>14.2.28</a:t>
+              <a:t>14.3.18</a:t>
             </a:fld>
             <a:endParaRPr lang="ja-JP" altLang="en-US"/>
           </a:p>
@@ -1489,7 +1489,7 @@
               <a:pPr>
                 <a:defRPr/>
               </a:pPr>
-              <a:t>14.2.28</a:t>
+              <a:t>14.3.18</a:t>
             </a:fld>
             <a:endParaRPr lang="ja-JP" altLang="en-US"/>
           </a:p>
@@ -1713,7 +1713,7 @@
               <a:pPr>
                 <a:defRPr/>
               </a:pPr>
-              <a:t>14.2.28</a:t>
+              <a:t>14.3.18</a:t>
             </a:fld>
             <a:endParaRPr lang="ja-JP" altLang="en-US"/>
           </a:p>
@@ -1981,7 +1981,7 @@
               <a:pPr>
                 <a:defRPr/>
               </a:pPr>
-              <a:t>14.2.28</a:t>
+              <a:t>14.3.18</a:t>
             </a:fld>
             <a:endParaRPr lang="ja-JP" altLang="en-US"/>
           </a:p>
@@ -2360,7 +2360,7 @@
               <a:pPr>
                 <a:defRPr/>
               </a:pPr>
-              <a:t>14.2.28</a:t>
+              <a:t>14.3.18</a:t>
             </a:fld>
             <a:endParaRPr lang="ja-JP" altLang="en-US"/>
           </a:p>
@@ -2873,7 +2873,7 @@
               <a:pPr>
                 <a:defRPr/>
               </a:pPr>
-              <a:t>14.2.28</a:t>
+              <a:t>14.3.18</a:t>
             </a:fld>
             <a:endParaRPr lang="ja-JP" altLang="en-US"/>
           </a:p>
@@ -3028,7 +3028,7 @@
               <a:pPr>
                 <a:defRPr/>
               </a:pPr>
-              <a:t>14.2.28</a:t>
+              <a:t>14.3.18</a:t>
             </a:fld>
             <a:endParaRPr lang="ja-JP" altLang="en-US"/>
           </a:p>
@@ -3258,7 +3258,7 @@
               <a:pPr>
                 <a:defRPr/>
               </a:pPr>
-              <a:t>14.2.28</a:t>
+              <a:t>14.3.18</a:t>
             </a:fld>
             <a:endParaRPr lang="ja-JP" altLang="en-US"/>
           </a:p>
@@ -3589,7 +3589,7 @@
               <a:pPr>
                 <a:defRPr/>
               </a:pPr>
-              <a:t>14.2.28</a:t>
+              <a:t>14.3.18</a:t>
             </a:fld>
             <a:endParaRPr lang="ja-JP" altLang="en-US"/>
           </a:p>
@@ -3872,7 +3872,7 @@
               <a:pPr>
                 <a:defRPr/>
               </a:pPr>
-              <a:t>14.2.28</a:t>
+              <a:t>14.3.18</a:t>
             </a:fld>
             <a:endParaRPr lang="ja-JP" altLang="en-US"/>
           </a:p>
@@ -5044,15 +5044,7 @@
           <a:p>
             <a:r>
               <a:rPr lang="en-US" altLang="ja-JP" dirty="0" smtClean="0"/>
-              <a:t>0</a:t>
-            </a:r>
-            <a:r>
-              <a:rPr lang="en-US" altLang="ja-JP" dirty="0" smtClean="0"/>
-              <a:t>9</a:t>
-            </a:r>
-            <a:r>
-              <a:rPr lang="en-US" altLang="ja-JP" dirty="0" smtClean="0"/>
-              <a:t>. </a:t>
+              <a:t>09. </a:t>
             </a:r>
             <a:r>
               <a:rPr lang="ja-JP" altLang="en-US" dirty="0" smtClean="0"/>
@@ -5836,15 +5828,7 @@
           <a:p>
             <a:r>
               <a:rPr lang="en-US" altLang="ja-JP" dirty="0" smtClean="0"/>
-              <a:t>0</a:t>
-            </a:r>
-            <a:r>
-              <a:rPr lang="en-US" altLang="ja-JP" dirty="0" smtClean="0"/>
-              <a:t>9</a:t>
-            </a:r>
-            <a:r>
-              <a:rPr lang="en-US" altLang="ja-JP" dirty="0" smtClean="0"/>
-              <a:t>. </a:t>
+              <a:t>09. </a:t>
             </a:r>
             <a:r>
               <a:rPr lang="ja-JP" altLang="en-US" dirty="0" smtClean="0"/>
@@ -6229,11 +6213,7 @@
           <a:p>
             <a:r>
               <a:rPr lang="en-US" altLang="ja-JP" dirty="0" smtClean="0"/>
-              <a:t>10</a:t>
-            </a:r>
-            <a:r>
-              <a:rPr lang="en-US" altLang="ja-JP" dirty="0" smtClean="0"/>
-              <a:t>. </a:t>
+              <a:t>10. </a:t>
             </a:r>
             <a:r>
               <a:rPr lang="ja-JP" altLang="en-US" dirty="0" smtClean="0"/>
@@ -6584,7 +6564,7 @@
           <a:blip r:embed="rId3">
             <a:extLst>
               <a:ext uri="{28A0092B-C50C-407E-A947-70E740481C1C}">
-                <a14:useLocalDpi xmlns="" xmlns:a="http://schemas.openxmlformats.org/drawingml/2006/main" xmlns:r="http://schemas.openxmlformats.org/officeDocument/2006/relationships" xmlns:p="http://schemas.openxmlformats.org/presentationml/2006/main" xmlns:a14="http://schemas.microsoft.com/office/drawing/2010/main" xmlns:mv="urn:schemas-microsoft-com:mac:vml" xmlns:mc="http://schemas.openxmlformats.org/markup-compatibility/2006" val="0"/>
+                <a14:useLocalDpi xmlns:mc="http://schemas.openxmlformats.org/markup-compatibility/2006" xmlns:mv="urn:schemas-microsoft-com:mac:vml" xmlns:a14="http://schemas.microsoft.com/office/drawing/2010/main" xmlns:p="http://schemas.openxmlformats.org/presentationml/2006/main" xmlns:r="http://schemas.openxmlformats.org/officeDocument/2006/relationships" xmlns:a="http://schemas.openxmlformats.org/drawingml/2006/main" xmlns="" val="0"/>
               </a:ext>
             </a:extLst>
           </a:blip>
@@ -6702,7 +6682,7 @@
     </p:spTree>
     <p:extLst>
       <p:ext uri="{BB962C8B-B14F-4D97-AF65-F5344CB8AC3E}">
-        <p14:creationId xmlns="" xmlns:a="http://schemas.openxmlformats.org/drawingml/2006/main" xmlns:r="http://schemas.openxmlformats.org/officeDocument/2006/relationships" xmlns:p="http://schemas.openxmlformats.org/presentationml/2006/main" xmlns:p14="http://schemas.microsoft.com/office/powerpoint/2010/main" xmlns:mv="urn:schemas-microsoft-com:mac:vml" xmlns:mc="http://schemas.openxmlformats.org/markup-compatibility/2006" val="3994574101"/>
+        <p14:creationId xmlns:mc="http://schemas.openxmlformats.org/markup-compatibility/2006" xmlns:mv="urn:schemas-microsoft-com:mac:vml" xmlns:p14="http://schemas.microsoft.com/office/powerpoint/2010/main" xmlns:p="http://schemas.openxmlformats.org/presentationml/2006/main" xmlns:r="http://schemas.openxmlformats.org/officeDocument/2006/relationships" xmlns:a="http://schemas.openxmlformats.org/drawingml/2006/main" xmlns="" val="3994574101"/>
       </p:ext>
     </p:extLst>
   </p:cSld>
@@ -6753,19 +6733,7 @@
           <a:p>
             <a:r>
               <a:rPr lang="en-US" altLang="ja-JP" dirty="0" smtClean="0"/>
-              <a:t>1</a:t>
-            </a:r>
-            <a:r>
-              <a:rPr lang="en-US" altLang="ja-JP" dirty="0" smtClean="0"/>
-              <a:t>1</a:t>
-            </a:r>
-            <a:r>
-              <a:rPr lang="en-US" altLang="ja-JP" dirty="0" smtClean="0"/>
-              <a:t>. </a:t>
-            </a:r>
-            <a:r>
-              <a:rPr lang="en-US" altLang="ja-JP" dirty="0" smtClean="0"/>
-              <a:t>SNS</a:t>
+              <a:t>11. SNS</a:t>
             </a:r>
             <a:r>
               <a:rPr lang="ja-JP" altLang="en-US" dirty="0" smtClean="0"/>
@@ -7020,7 +6988,7 @@
           <a:blip r:embed="rId2">
             <a:extLst>
               <a:ext uri="{28A0092B-C50C-407E-A947-70E740481C1C}">
-                <a14:useLocalDpi xmlns="" xmlns:a="http://schemas.openxmlformats.org/drawingml/2006/main" xmlns:r="http://schemas.openxmlformats.org/officeDocument/2006/relationships" xmlns:p="http://schemas.openxmlformats.org/presentationml/2006/main" xmlns:a14="http://schemas.microsoft.com/office/drawing/2010/main" xmlns:mv="urn:schemas-microsoft-com:mac:vml" xmlns:mc="http://schemas.openxmlformats.org/markup-compatibility/2006" val="0"/>
+                <a14:useLocalDpi xmlns:mc="http://schemas.openxmlformats.org/markup-compatibility/2006" xmlns:mv="urn:schemas-microsoft-com:mac:vml" xmlns:a14="http://schemas.microsoft.com/office/drawing/2010/main" xmlns:p="http://schemas.openxmlformats.org/presentationml/2006/main" xmlns:r="http://schemas.openxmlformats.org/officeDocument/2006/relationships" xmlns:a="http://schemas.openxmlformats.org/drawingml/2006/main" xmlns="" val="0"/>
               </a:ext>
             </a:extLst>
           </a:blip>
@@ -7050,7 +7018,7 @@
           <a:blip r:embed="rId3">
             <a:extLst>
               <a:ext uri="{28A0092B-C50C-407E-A947-70E740481C1C}">
-                <a14:useLocalDpi xmlns="" xmlns:a="http://schemas.openxmlformats.org/drawingml/2006/main" xmlns:r="http://schemas.openxmlformats.org/officeDocument/2006/relationships" xmlns:p="http://schemas.openxmlformats.org/presentationml/2006/main" xmlns:a14="http://schemas.microsoft.com/office/drawing/2010/main" xmlns:mv="urn:schemas-microsoft-com:mac:vml" xmlns:mc="http://schemas.openxmlformats.org/markup-compatibility/2006" val="0"/>
+                <a14:useLocalDpi xmlns:mc="http://schemas.openxmlformats.org/markup-compatibility/2006" xmlns:mv="urn:schemas-microsoft-com:mac:vml" xmlns:a14="http://schemas.microsoft.com/office/drawing/2010/main" xmlns:p="http://schemas.openxmlformats.org/presentationml/2006/main" xmlns:r="http://schemas.openxmlformats.org/officeDocument/2006/relationships" xmlns:a="http://schemas.openxmlformats.org/drawingml/2006/main" xmlns="" val="0"/>
               </a:ext>
             </a:extLst>
           </a:blip>
@@ -7428,7 +7396,7 @@
     </p:spTree>
     <p:extLst>
       <p:ext uri="{BB962C8B-B14F-4D97-AF65-F5344CB8AC3E}">
-        <p14:creationId xmlns="" xmlns:a="http://schemas.openxmlformats.org/drawingml/2006/main" xmlns:r="http://schemas.openxmlformats.org/officeDocument/2006/relationships" xmlns:p="http://schemas.openxmlformats.org/presentationml/2006/main" xmlns:p14="http://schemas.microsoft.com/office/powerpoint/2010/main" xmlns:mv="urn:schemas-microsoft-com:mac:vml" xmlns:mc="http://schemas.openxmlformats.org/markup-compatibility/2006" val="2536332205"/>
+        <p14:creationId xmlns:mc="http://schemas.openxmlformats.org/markup-compatibility/2006" xmlns:mv="urn:schemas-microsoft-com:mac:vml" xmlns:p14="http://schemas.microsoft.com/office/powerpoint/2010/main" xmlns:p="http://schemas.openxmlformats.org/presentationml/2006/main" xmlns:r="http://schemas.openxmlformats.org/officeDocument/2006/relationships" xmlns:a="http://schemas.openxmlformats.org/drawingml/2006/main" xmlns="" val="2536332205"/>
       </p:ext>
     </p:extLst>
   </p:cSld>
@@ -7579,7 +7547,7 @@
     </p:spTree>
     <p:extLst>
       <p:ext uri="{BB962C8B-B14F-4D97-AF65-F5344CB8AC3E}">
-        <p14:creationId xmlns="" xmlns:a="http://schemas.openxmlformats.org/drawingml/2006/main" xmlns:r="http://schemas.openxmlformats.org/officeDocument/2006/relationships" xmlns:p="http://schemas.openxmlformats.org/presentationml/2006/main" xmlns:p14="http://schemas.microsoft.com/office/powerpoint/2010/main" xmlns:mv="urn:schemas-microsoft-com:mac:vml" xmlns:mc="http://schemas.openxmlformats.org/markup-compatibility/2006" val="1811057842"/>
+        <p14:creationId xmlns:mc="http://schemas.openxmlformats.org/markup-compatibility/2006" xmlns:mv="urn:schemas-microsoft-com:mac:vml" xmlns:p14="http://schemas.microsoft.com/office/powerpoint/2010/main" xmlns:p="http://schemas.openxmlformats.org/presentationml/2006/main" xmlns:r="http://schemas.openxmlformats.org/officeDocument/2006/relationships" xmlns:a="http://schemas.openxmlformats.org/drawingml/2006/main" xmlns="" val="1811057842"/>
       </p:ext>
     </p:extLst>
   </p:cSld>
@@ -11529,7 +11497,7 @@
     </p:spTree>
     <p:extLst>
       <p:ext uri="{BB962C8B-B14F-4D97-AF65-F5344CB8AC3E}">
-        <p14:creationId xmlns="" xmlns:a="http://schemas.openxmlformats.org/drawingml/2006/main" xmlns:r="http://schemas.openxmlformats.org/officeDocument/2006/relationships" xmlns:p="http://schemas.openxmlformats.org/presentationml/2006/main" xmlns:p14="http://schemas.microsoft.com/office/powerpoint/2010/main" xmlns:mv="urn:schemas-microsoft-com:mac:vml" xmlns:mc="http://schemas.openxmlformats.org/markup-compatibility/2006" val="1600289773"/>
+        <p14:creationId xmlns:mc="http://schemas.openxmlformats.org/markup-compatibility/2006" xmlns:mv="urn:schemas-microsoft-com:mac:vml" xmlns:p14="http://schemas.microsoft.com/office/powerpoint/2010/main" xmlns:p="http://schemas.openxmlformats.org/presentationml/2006/main" xmlns:r="http://schemas.openxmlformats.org/officeDocument/2006/relationships" xmlns:a="http://schemas.openxmlformats.org/drawingml/2006/main" xmlns="" val="1600289773"/>
       </p:ext>
     </p:extLst>
   </p:cSld>
@@ -15920,7 +15888,7 @@
     </p:spTree>
     <p:extLst>
       <p:ext uri="{BB962C8B-B14F-4D97-AF65-F5344CB8AC3E}">
-        <p14:creationId xmlns="" xmlns:a="http://schemas.openxmlformats.org/drawingml/2006/main" xmlns:r="http://schemas.openxmlformats.org/officeDocument/2006/relationships" xmlns:p="http://schemas.openxmlformats.org/presentationml/2006/main" xmlns:p14="http://schemas.microsoft.com/office/powerpoint/2010/main" xmlns:mv="urn:schemas-microsoft-com:mac:vml" xmlns:mc="http://schemas.openxmlformats.org/markup-compatibility/2006" val="1600289773"/>
+        <p14:creationId xmlns:mc="http://schemas.openxmlformats.org/markup-compatibility/2006" xmlns:mv="urn:schemas-microsoft-com:mac:vml" xmlns:p14="http://schemas.microsoft.com/office/powerpoint/2010/main" xmlns:p="http://schemas.openxmlformats.org/presentationml/2006/main" xmlns:r="http://schemas.openxmlformats.org/officeDocument/2006/relationships" xmlns:a="http://schemas.openxmlformats.org/drawingml/2006/main" xmlns="" val="1600289773"/>
       </p:ext>
     </p:extLst>
   </p:cSld>
@@ -16042,7 +16010,33 @@
                 <a:latin typeface="+mn-ea"/>
                 <a:ea typeface="+mn-ea"/>
               </a:rPr>
-              <a:t>支払い方法は、毎月月末のお支払い、支払金額は</a:t>
+              <a:t>支払い方法は、毎月月末のお支払い</a:t>
+            </a:r>
+            <a:r>
+              <a:rPr lang="ja-JP" altLang="en-US" sz="1600" dirty="0" smtClean="0">
+                <a:solidFill>
+                  <a:schemeClr val="tx1">
+                    <a:lumMod val="75000"/>
+                    <a:lumOff val="25000"/>
+                  </a:schemeClr>
+                </a:solidFill>
+                <a:latin typeface="+mn-ea"/>
+                <a:ea typeface="+mn-ea"/>
+              </a:rPr>
+              <a:t>、額</a:t>
+            </a:r>
+            <a:r>
+              <a:rPr lang="ja-JP" altLang="en-US" sz="1600" dirty="0" smtClean="0">
+                <a:solidFill>
+                  <a:schemeClr val="tx1">
+                    <a:lumMod val="75000"/>
+                    <a:lumOff val="25000"/>
+                  </a:schemeClr>
+                </a:solidFill>
+                <a:latin typeface="+mn-ea"/>
+                <a:ea typeface="+mn-ea"/>
+              </a:rPr>
+              <a:t>は</a:t>
             </a:r>
             <a:r>
               <a:rPr lang="en-US" altLang="ja-JP" sz="1600" dirty="0" smtClean="0">
@@ -17201,7 +17195,7 @@
     </p:spTree>
     <p:extLst>
       <p:ext uri="{BB962C8B-B14F-4D97-AF65-F5344CB8AC3E}">
-        <p14:creationId xmlns="" xmlns:a="http://schemas.openxmlformats.org/drawingml/2006/main" xmlns:r="http://schemas.openxmlformats.org/officeDocument/2006/relationships" xmlns:p="http://schemas.openxmlformats.org/presentationml/2006/main" xmlns:p14="http://schemas.microsoft.com/office/powerpoint/2010/main" xmlns:mv="urn:schemas-microsoft-com:mac:vml" xmlns:mc="http://schemas.openxmlformats.org/markup-compatibility/2006" val="3711537731"/>
+        <p14:creationId xmlns:mc="http://schemas.openxmlformats.org/markup-compatibility/2006" xmlns:mv="urn:schemas-microsoft-com:mac:vml" xmlns:p14="http://schemas.microsoft.com/office/powerpoint/2010/main" xmlns:p="http://schemas.openxmlformats.org/presentationml/2006/main" xmlns:r="http://schemas.openxmlformats.org/officeDocument/2006/relationships" xmlns:a="http://schemas.openxmlformats.org/drawingml/2006/main" xmlns="" val="3711537731"/>
       </p:ext>
     </p:extLst>
   </p:cSld>
@@ -17253,1684 +17247,6 @@
             <a:r>
               <a:rPr lang="en-US" altLang="ja-JP" dirty="0" smtClean="0"/>
               <a:t>05. </a:t>
-            </a:r>
-            <a:r>
-              <a:rPr lang="ja-JP" altLang="en-US" dirty="0" smtClean="0"/>
-              <a:t>集金例</a:t>
-            </a:r>
-            <a:endParaRPr lang="ja-JP" altLang="en-US" dirty="0"/>
-          </a:p>
-        </p:txBody>
-      </p:sp>
-      <p:sp>
-        <p:nvSpPr>
-          <p:cNvPr id="3" name="テキスト プレースホルダ 2"/>
-          <p:cNvSpPr>
-            <a:spLocks noGrp="1"/>
-          </p:cNvSpPr>
-          <p:nvPr>
-            <p:ph type="body" idx="1"/>
-          </p:nvPr>
-        </p:nvSpPr>
-        <p:spPr/>
-        <p:txBody>
-          <a:bodyPr/>
-          <a:lstStyle/>
-          <a:p>
-            <a:r>
-              <a:rPr lang="ja-JP" altLang="en-US" dirty="0" smtClean="0"/>
-              <a:t>　ミニ四駆コミュニティの場合の集金例</a:t>
-            </a:r>
-            <a:endParaRPr lang="ja-JP" altLang="en-US" dirty="0"/>
-          </a:p>
-        </p:txBody>
-      </p:sp>
-      <p:sp>
-        <p:nvSpPr>
-          <p:cNvPr id="21" name="角丸四角形 20"/>
-          <p:cNvSpPr/>
-          <p:nvPr/>
-        </p:nvSpPr>
-        <p:spPr>
-          <a:xfrm>
-            <a:off x="1259641" y="1681212"/>
-            <a:ext cx="2549164" cy="419637"/>
-          </a:xfrm>
-          <a:prstGeom prst="roundRect">
-            <a:avLst/>
-          </a:prstGeom>
-          <a:solidFill>
-            <a:srgbClr val="75B53C"/>
-          </a:solidFill>
-          <a:ln>
-            <a:noFill/>
-          </a:ln>
-          <a:effectLst/>
-        </p:spPr>
-        <p:style>
-          <a:lnRef idx="1">
-            <a:schemeClr val="accent1"/>
-          </a:lnRef>
-          <a:fillRef idx="3">
-            <a:schemeClr val="accent1"/>
-          </a:fillRef>
-          <a:effectRef idx="2">
-            <a:schemeClr val="accent1"/>
-          </a:effectRef>
-          <a:fontRef idx="minor">
-            <a:schemeClr val="lt1"/>
-          </a:fontRef>
-        </p:style>
-        <p:txBody>
-          <a:bodyPr rtlCol="0" anchor="ctr"/>
-          <a:lstStyle/>
-          <a:p>
-            <a:pPr algn="ctr"/>
-            <a:r>
-              <a:rPr kumimoji="1" lang="ja-JP" altLang="en-US" dirty="0" smtClean="0"/>
-              <a:t>会費種別</a:t>
-            </a:r>
-            <a:endParaRPr kumimoji="1" lang="ja-JP" altLang="en-US" dirty="0"/>
-          </a:p>
-        </p:txBody>
-      </p:sp>
-      <p:sp>
-        <p:nvSpPr>
-          <p:cNvPr id="22" name="角丸四角形 21"/>
-          <p:cNvSpPr/>
-          <p:nvPr/>
-        </p:nvSpPr>
-        <p:spPr>
-          <a:xfrm>
-            <a:off x="1259641" y="2237231"/>
-            <a:ext cx="2549164" cy="494418"/>
-          </a:xfrm>
-          <a:prstGeom prst="roundRect">
-            <a:avLst/>
-          </a:prstGeom>
-          <a:solidFill>
-            <a:srgbClr val="75B53C">
-              <a:alpha val="5000"/>
-            </a:srgbClr>
-          </a:solidFill>
-          <a:ln w="38100" cmpd="sng">
-            <a:solidFill>
-              <a:srgbClr val="75B53C"/>
-            </a:solidFill>
-          </a:ln>
-        </p:spPr>
-        <p:style>
-          <a:lnRef idx="2">
-            <a:schemeClr val="accent1">
-              <a:shade val="50000"/>
-            </a:schemeClr>
-          </a:lnRef>
-          <a:fillRef idx="1">
-            <a:schemeClr val="accent1"/>
-          </a:fillRef>
-          <a:effectRef idx="0">
-            <a:schemeClr val="accent1"/>
-          </a:effectRef>
-          <a:fontRef idx="minor">
-            <a:schemeClr val="lt1"/>
-          </a:fontRef>
-        </p:style>
-        <p:txBody>
-          <a:bodyPr rtlCol="0" anchor="ctr"/>
-          <a:lstStyle/>
-          <a:p>
-            <a:pPr algn="ctr"/>
-            <a:r>
-              <a:rPr lang="ja-JP" altLang="en-US" sz="1600" dirty="0" smtClean="0">
-                <a:solidFill>
-                  <a:schemeClr val="tx1">
-                    <a:lumMod val="75000"/>
-                    <a:lumOff val="25000"/>
-                  </a:schemeClr>
-                </a:solidFill>
-              </a:rPr>
-              <a:t>無料会員</a:t>
-            </a:r>
-            <a:endParaRPr kumimoji="1" lang="en-US" altLang="ja-JP" sz="1600" dirty="0" smtClean="0">
-              <a:solidFill>
-                <a:schemeClr val="tx1">
-                  <a:lumMod val="75000"/>
-                  <a:lumOff val="25000"/>
-                </a:schemeClr>
-              </a:solidFill>
-            </a:endParaRPr>
-          </a:p>
-        </p:txBody>
-      </p:sp>
-      <p:sp>
-        <p:nvSpPr>
-          <p:cNvPr id="23" name="角丸四角形 22"/>
-          <p:cNvSpPr/>
-          <p:nvPr/>
-        </p:nvSpPr>
-        <p:spPr>
-          <a:xfrm>
-            <a:off x="1259641" y="2927708"/>
-            <a:ext cx="2549164" cy="494418"/>
-          </a:xfrm>
-          <a:prstGeom prst="roundRect">
-            <a:avLst/>
-          </a:prstGeom>
-          <a:solidFill>
-            <a:srgbClr val="75B53C">
-              <a:alpha val="5000"/>
-            </a:srgbClr>
-          </a:solidFill>
-          <a:ln w="38100" cmpd="sng">
-            <a:solidFill>
-              <a:srgbClr val="75B53C"/>
-            </a:solidFill>
-          </a:ln>
-        </p:spPr>
-        <p:style>
-          <a:lnRef idx="2">
-            <a:schemeClr val="accent1">
-              <a:shade val="50000"/>
-            </a:schemeClr>
-          </a:lnRef>
-          <a:fillRef idx="1">
-            <a:schemeClr val="accent1"/>
-          </a:fillRef>
-          <a:effectRef idx="0">
-            <a:schemeClr val="accent1"/>
-          </a:effectRef>
-          <a:fontRef idx="minor">
-            <a:schemeClr val="lt1"/>
-          </a:fontRef>
-        </p:style>
-        <p:txBody>
-          <a:bodyPr rtlCol="0" anchor="ctr"/>
-          <a:lstStyle/>
-          <a:p>
-            <a:pPr algn="ctr"/>
-            <a:r>
-              <a:rPr kumimoji="1" lang="ja-JP" altLang="en-US" sz="1600" dirty="0" smtClean="0">
-                <a:solidFill>
-                  <a:schemeClr val="tx1">
-                    <a:lumMod val="75000"/>
-                    <a:lumOff val="25000"/>
-                  </a:schemeClr>
-                </a:solidFill>
-              </a:rPr>
-              <a:t>ハイパー</a:t>
-            </a:r>
-            <a:r>
-              <a:rPr lang="ja-JP" altLang="en-US" sz="1600" dirty="0" smtClean="0">
-                <a:solidFill>
-                  <a:schemeClr val="tx1">
-                    <a:lumMod val="75000"/>
-                    <a:lumOff val="25000"/>
-                  </a:schemeClr>
-                </a:solidFill>
-              </a:rPr>
-              <a:t>ミニ会員</a:t>
-            </a:r>
-            <a:endParaRPr kumimoji="1" lang="en-US" altLang="ja-JP" sz="1600" dirty="0" smtClean="0">
-              <a:solidFill>
-                <a:schemeClr val="tx1">
-                  <a:lumMod val="75000"/>
-                  <a:lumOff val="25000"/>
-                </a:schemeClr>
-              </a:solidFill>
-            </a:endParaRPr>
-          </a:p>
-        </p:txBody>
-      </p:sp>
-      <p:sp>
-        <p:nvSpPr>
-          <p:cNvPr id="24" name="角丸四角形 23"/>
-          <p:cNvSpPr/>
-          <p:nvPr/>
-        </p:nvSpPr>
-        <p:spPr>
-          <a:xfrm>
-            <a:off x="1259641" y="3638832"/>
-            <a:ext cx="2549164" cy="494418"/>
-          </a:xfrm>
-          <a:prstGeom prst="roundRect">
-            <a:avLst/>
-          </a:prstGeom>
-          <a:solidFill>
-            <a:srgbClr val="75B53C">
-              <a:alpha val="5000"/>
-            </a:srgbClr>
-          </a:solidFill>
-          <a:ln w="38100" cmpd="sng">
-            <a:solidFill>
-              <a:srgbClr val="75B53C"/>
-            </a:solidFill>
-          </a:ln>
-        </p:spPr>
-        <p:style>
-          <a:lnRef idx="2">
-            <a:schemeClr val="accent1">
-              <a:shade val="50000"/>
-            </a:schemeClr>
-          </a:lnRef>
-          <a:fillRef idx="1">
-            <a:schemeClr val="accent1"/>
-          </a:fillRef>
-          <a:effectRef idx="0">
-            <a:schemeClr val="accent1"/>
-          </a:effectRef>
-          <a:fontRef idx="minor">
-            <a:schemeClr val="lt1"/>
-          </a:fontRef>
-        </p:style>
-        <p:txBody>
-          <a:bodyPr rtlCol="0" anchor="ctr"/>
-          <a:lstStyle/>
-          <a:p>
-            <a:pPr algn="ctr"/>
-            <a:r>
-              <a:rPr kumimoji="1" lang="ja-JP" altLang="en-US" sz="1600" dirty="0" smtClean="0">
-                <a:solidFill>
-                  <a:schemeClr val="tx1">
-                    <a:lumMod val="75000"/>
-                    <a:lumOff val="25000"/>
-                  </a:schemeClr>
-                </a:solidFill>
-              </a:rPr>
-              <a:t>ハイパーダッシュ会員</a:t>
-            </a:r>
-            <a:endParaRPr kumimoji="1" lang="en-US" altLang="ja-JP" sz="1600" dirty="0" smtClean="0">
-              <a:solidFill>
-                <a:schemeClr val="tx1">
-                  <a:lumMod val="75000"/>
-                  <a:lumOff val="25000"/>
-                </a:schemeClr>
-              </a:solidFill>
-            </a:endParaRPr>
-          </a:p>
-        </p:txBody>
-      </p:sp>
-      <p:sp>
-        <p:nvSpPr>
-          <p:cNvPr id="25" name="角丸四角形 24"/>
-          <p:cNvSpPr/>
-          <p:nvPr/>
-        </p:nvSpPr>
-        <p:spPr>
-          <a:xfrm>
-            <a:off x="4271120" y="1682800"/>
-            <a:ext cx="1948967" cy="419637"/>
-          </a:xfrm>
-          <a:prstGeom prst="roundRect">
-            <a:avLst/>
-          </a:prstGeom>
-          <a:solidFill>
-            <a:srgbClr val="75B53C"/>
-          </a:solidFill>
-          <a:ln>
-            <a:noFill/>
-          </a:ln>
-          <a:effectLst/>
-        </p:spPr>
-        <p:style>
-          <a:lnRef idx="1">
-            <a:schemeClr val="accent1"/>
-          </a:lnRef>
-          <a:fillRef idx="3">
-            <a:schemeClr val="accent1"/>
-          </a:fillRef>
-          <a:effectRef idx="2">
-            <a:schemeClr val="accent1"/>
-          </a:effectRef>
-          <a:fontRef idx="minor">
-            <a:schemeClr val="lt1"/>
-          </a:fontRef>
-        </p:style>
-        <p:txBody>
-          <a:bodyPr rtlCol="0" anchor="ctr"/>
-          <a:lstStyle/>
-          <a:p>
-            <a:pPr algn="ctr"/>
-            <a:r>
-              <a:rPr kumimoji="1" lang="ja-JP" altLang="en-US" dirty="0" smtClean="0"/>
-              <a:t>支払いサイクル</a:t>
-            </a:r>
-            <a:endParaRPr kumimoji="1" lang="ja-JP" altLang="en-US" dirty="0"/>
-          </a:p>
-        </p:txBody>
-      </p:sp>
-      <p:sp>
-        <p:nvSpPr>
-          <p:cNvPr id="26" name="角丸四角形 25"/>
-          <p:cNvSpPr/>
-          <p:nvPr/>
-        </p:nvSpPr>
-        <p:spPr>
-          <a:xfrm>
-            <a:off x="4271120" y="2238819"/>
-            <a:ext cx="1948967" cy="494418"/>
-          </a:xfrm>
-          <a:prstGeom prst="roundRect">
-            <a:avLst/>
-          </a:prstGeom>
-          <a:solidFill>
-            <a:srgbClr val="75B53C">
-              <a:alpha val="5000"/>
-            </a:srgbClr>
-          </a:solidFill>
-          <a:ln w="38100" cmpd="sng">
-            <a:solidFill>
-              <a:srgbClr val="75B53C"/>
-            </a:solidFill>
-          </a:ln>
-        </p:spPr>
-        <p:style>
-          <a:lnRef idx="2">
-            <a:schemeClr val="accent1">
-              <a:shade val="50000"/>
-            </a:schemeClr>
-          </a:lnRef>
-          <a:fillRef idx="1">
-            <a:schemeClr val="accent1"/>
-          </a:fillRef>
-          <a:effectRef idx="0">
-            <a:schemeClr val="accent1"/>
-          </a:effectRef>
-          <a:fontRef idx="minor">
-            <a:schemeClr val="lt1"/>
-          </a:fontRef>
-        </p:style>
-        <p:txBody>
-          <a:bodyPr rtlCol="0" anchor="ctr"/>
-          <a:lstStyle/>
-          <a:p>
-            <a:pPr algn="ctr"/>
-            <a:r>
-              <a:rPr kumimoji="1" lang="ja-JP" altLang="en-US" dirty="0" smtClean="0">
-                <a:solidFill>
-                  <a:schemeClr val="tx1">
-                    <a:lumMod val="75000"/>
-                    <a:lumOff val="25000"/>
-                  </a:schemeClr>
-                </a:solidFill>
-              </a:rPr>
-              <a:t>無料</a:t>
-            </a:r>
-            <a:endParaRPr kumimoji="1" lang="en-US" altLang="ja-JP" dirty="0" smtClean="0">
-              <a:solidFill>
-                <a:schemeClr val="tx1">
-                  <a:lumMod val="75000"/>
-                  <a:lumOff val="25000"/>
-                </a:schemeClr>
-              </a:solidFill>
-            </a:endParaRPr>
-          </a:p>
-        </p:txBody>
-      </p:sp>
-      <p:sp>
-        <p:nvSpPr>
-          <p:cNvPr id="27" name="角丸四角形 26"/>
-          <p:cNvSpPr/>
-          <p:nvPr/>
-        </p:nvSpPr>
-        <p:spPr>
-          <a:xfrm>
-            <a:off x="4271120" y="2929296"/>
-            <a:ext cx="1948967" cy="494418"/>
-          </a:xfrm>
-          <a:prstGeom prst="roundRect">
-            <a:avLst/>
-          </a:prstGeom>
-          <a:solidFill>
-            <a:srgbClr val="75B53C">
-              <a:alpha val="5000"/>
-            </a:srgbClr>
-          </a:solidFill>
-          <a:ln w="38100" cmpd="sng">
-            <a:solidFill>
-              <a:srgbClr val="75B53C"/>
-            </a:solidFill>
-          </a:ln>
-        </p:spPr>
-        <p:style>
-          <a:lnRef idx="2">
-            <a:schemeClr val="accent1">
-              <a:shade val="50000"/>
-            </a:schemeClr>
-          </a:lnRef>
-          <a:fillRef idx="1">
-            <a:schemeClr val="accent1"/>
-          </a:fillRef>
-          <a:effectRef idx="0">
-            <a:schemeClr val="accent1"/>
-          </a:effectRef>
-          <a:fontRef idx="minor">
-            <a:schemeClr val="lt1"/>
-          </a:fontRef>
-        </p:style>
-        <p:txBody>
-          <a:bodyPr rtlCol="0" anchor="ctr"/>
-          <a:lstStyle/>
-          <a:p>
-            <a:pPr algn="ctr"/>
-            <a:r>
-              <a:rPr kumimoji="1" lang="ja-JP" altLang="en-US" dirty="0" smtClean="0">
-                <a:solidFill>
-                  <a:schemeClr val="tx1">
-                    <a:lumMod val="75000"/>
-                    <a:lumOff val="25000"/>
-                  </a:schemeClr>
-                </a:solidFill>
-              </a:rPr>
-              <a:t>毎月集金</a:t>
-            </a:r>
-            <a:endParaRPr kumimoji="1" lang="en-US" altLang="ja-JP" dirty="0" smtClean="0">
-              <a:solidFill>
-                <a:schemeClr val="tx1">
-                  <a:lumMod val="75000"/>
-                  <a:lumOff val="25000"/>
-                </a:schemeClr>
-              </a:solidFill>
-            </a:endParaRPr>
-          </a:p>
-        </p:txBody>
-      </p:sp>
-      <p:sp>
-        <p:nvSpPr>
-          <p:cNvPr id="28" name="角丸四角形 27"/>
-          <p:cNvSpPr/>
-          <p:nvPr/>
-        </p:nvSpPr>
-        <p:spPr>
-          <a:xfrm>
-            <a:off x="4271120" y="3640420"/>
-            <a:ext cx="1948967" cy="494418"/>
-          </a:xfrm>
-          <a:prstGeom prst="roundRect">
-            <a:avLst/>
-          </a:prstGeom>
-          <a:solidFill>
-            <a:srgbClr val="75B53C">
-              <a:alpha val="5000"/>
-            </a:srgbClr>
-          </a:solidFill>
-          <a:ln w="38100" cmpd="sng">
-            <a:solidFill>
-              <a:srgbClr val="75B53C"/>
-            </a:solidFill>
-          </a:ln>
-        </p:spPr>
-        <p:style>
-          <a:lnRef idx="2">
-            <a:schemeClr val="accent1">
-              <a:shade val="50000"/>
-            </a:schemeClr>
-          </a:lnRef>
-          <a:fillRef idx="1">
-            <a:schemeClr val="accent1"/>
-          </a:fillRef>
-          <a:effectRef idx="0">
-            <a:schemeClr val="accent1"/>
-          </a:effectRef>
-          <a:fontRef idx="minor">
-            <a:schemeClr val="lt1"/>
-          </a:fontRef>
-        </p:style>
-        <p:txBody>
-          <a:bodyPr rtlCol="0" anchor="ctr"/>
-          <a:lstStyle/>
-          <a:p>
-            <a:pPr algn="ctr"/>
-            <a:r>
-              <a:rPr kumimoji="1" lang="ja-JP" altLang="en-US" dirty="0" smtClean="0">
-                <a:solidFill>
-                  <a:schemeClr val="tx1">
-                    <a:lumMod val="75000"/>
-                    <a:lumOff val="25000"/>
-                  </a:schemeClr>
-                </a:solidFill>
-              </a:rPr>
-              <a:t>毎月集金</a:t>
-            </a:r>
-            <a:endParaRPr kumimoji="1" lang="en-US" altLang="ja-JP" dirty="0" smtClean="0">
-              <a:solidFill>
-                <a:schemeClr val="tx1">
-                  <a:lumMod val="75000"/>
-                  <a:lumOff val="25000"/>
-                </a:schemeClr>
-              </a:solidFill>
-            </a:endParaRPr>
-          </a:p>
-        </p:txBody>
-      </p:sp>
-      <p:sp>
-        <p:nvSpPr>
-          <p:cNvPr id="29" name="角丸四角形 28"/>
-          <p:cNvSpPr/>
-          <p:nvPr/>
-        </p:nvSpPr>
-        <p:spPr>
-          <a:xfrm>
-            <a:off x="6728320" y="1682800"/>
-            <a:ext cx="1948967" cy="419637"/>
-          </a:xfrm>
-          <a:prstGeom prst="roundRect">
-            <a:avLst/>
-          </a:prstGeom>
-          <a:solidFill>
-            <a:srgbClr val="75B53C"/>
-          </a:solidFill>
-          <a:ln>
-            <a:noFill/>
-          </a:ln>
-          <a:effectLst/>
-        </p:spPr>
-        <p:style>
-          <a:lnRef idx="1">
-            <a:schemeClr val="accent1"/>
-          </a:lnRef>
-          <a:fillRef idx="3">
-            <a:schemeClr val="accent1"/>
-          </a:fillRef>
-          <a:effectRef idx="2">
-            <a:schemeClr val="accent1"/>
-          </a:effectRef>
-          <a:fontRef idx="minor">
-            <a:schemeClr val="lt1"/>
-          </a:fontRef>
-        </p:style>
-        <p:txBody>
-          <a:bodyPr rtlCol="0" anchor="ctr"/>
-          <a:lstStyle/>
-          <a:p>
-            <a:pPr algn="ctr"/>
-            <a:r>
-              <a:rPr kumimoji="1" lang="ja-JP" altLang="en-US" dirty="0" smtClean="0"/>
-              <a:t>支払い金額</a:t>
-            </a:r>
-            <a:endParaRPr kumimoji="1" lang="ja-JP" altLang="en-US" dirty="0"/>
-          </a:p>
-        </p:txBody>
-      </p:sp>
-      <p:cxnSp>
-        <p:nvCxnSpPr>
-          <p:cNvPr id="33" name="直線コネクタ 32"/>
-          <p:cNvCxnSpPr>
-            <a:stCxn id="23" idx="3"/>
-            <a:endCxn id="27" idx="1"/>
-          </p:cNvCxnSpPr>
-          <p:nvPr/>
-        </p:nvCxnSpPr>
-        <p:spPr>
-          <a:xfrm>
-            <a:off x="3808805" y="3174917"/>
-            <a:ext cx="462315" cy="1588"/>
-          </a:xfrm>
-          <a:prstGeom prst="line">
-            <a:avLst/>
-          </a:prstGeom>
-          <a:ln w="38100" cmpd="sng">
-            <a:solidFill>
-              <a:srgbClr val="75B53C"/>
-            </a:solidFill>
-          </a:ln>
-          <a:effectLst/>
-        </p:spPr>
-        <p:style>
-          <a:lnRef idx="2">
-            <a:schemeClr val="accent1"/>
-          </a:lnRef>
-          <a:fillRef idx="0">
-            <a:schemeClr val="accent1"/>
-          </a:fillRef>
-          <a:effectRef idx="1">
-            <a:schemeClr val="accent1"/>
-          </a:effectRef>
-          <a:fontRef idx="minor">
-            <a:schemeClr val="tx1"/>
-          </a:fontRef>
-        </p:style>
-      </p:cxnSp>
-      <p:cxnSp>
-        <p:nvCxnSpPr>
-          <p:cNvPr id="34" name="直線コネクタ 33"/>
-          <p:cNvCxnSpPr>
-            <a:stCxn id="24" idx="3"/>
-            <a:endCxn id="28" idx="1"/>
-          </p:cNvCxnSpPr>
-          <p:nvPr/>
-        </p:nvCxnSpPr>
-        <p:spPr>
-          <a:xfrm>
-            <a:off x="3808805" y="3886041"/>
-            <a:ext cx="462315" cy="1588"/>
-          </a:xfrm>
-          <a:prstGeom prst="line">
-            <a:avLst/>
-          </a:prstGeom>
-          <a:ln w="38100" cmpd="sng">
-            <a:solidFill>
-              <a:srgbClr val="75B53C"/>
-            </a:solidFill>
-          </a:ln>
-          <a:effectLst/>
-        </p:spPr>
-        <p:style>
-          <a:lnRef idx="2">
-            <a:schemeClr val="accent1"/>
-          </a:lnRef>
-          <a:fillRef idx="0">
-            <a:schemeClr val="accent1"/>
-          </a:fillRef>
-          <a:effectRef idx="1">
-            <a:schemeClr val="accent1"/>
-          </a:effectRef>
-          <a:fontRef idx="minor">
-            <a:schemeClr val="tx1"/>
-          </a:fontRef>
-        </p:style>
-      </p:cxnSp>
-      <p:cxnSp>
-        <p:nvCxnSpPr>
-          <p:cNvPr id="35" name="直線コネクタ 34"/>
-          <p:cNvCxnSpPr>
-            <a:stCxn id="22" idx="3"/>
-            <a:endCxn id="26" idx="1"/>
-          </p:cNvCxnSpPr>
-          <p:nvPr/>
-        </p:nvCxnSpPr>
-        <p:spPr>
-          <a:xfrm>
-            <a:off x="3808805" y="2484440"/>
-            <a:ext cx="462315" cy="1588"/>
-          </a:xfrm>
-          <a:prstGeom prst="line">
-            <a:avLst/>
-          </a:prstGeom>
-          <a:ln w="38100" cmpd="sng">
-            <a:solidFill>
-              <a:srgbClr val="75B53C"/>
-            </a:solidFill>
-          </a:ln>
-          <a:effectLst/>
-        </p:spPr>
-        <p:style>
-          <a:lnRef idx="2">
-            <a:schemeClr val="accent1"/>
-          </a:lnRef>
-          <a:fillRef idx="0">
-            <a:schemeClr val="accent1"/>
-          </a:fillRef>
-          <a:effectRef idx="1">
-            <a:schemeClr val="accent1"/>
-          </a:effectRef>
-          <a:fontRef idx="minor">
-            <a:schemeClr val="tx1"/>
-          </a:fontRef>
-        </p:style>
-      </p:cxnSp>
-      <p:cxnSp>
-        <p:nvCxnSpPr>
-          <p:cNvPr id="36" name="直線コネクタ 35"/>
-          <p:cNvCxnSpPr>
-            <a:stCxn id="27" idx="3"/>
-            <a:endCxn id="40" idx="1"/>
-          </p:cNvCxnSpPr>
-          <p:nvPr/>
-        </p:nvCxnSpPr>
-        <p:spPr>
-          <a:xfrm flipV="1">
-            <a:off x="6220087" y="3174917"/>
-            <a:ext cx="508233" cy="1588"/>
-          </a:xfrm>
-          <a:prstGeom prst="line">
-            <a:avLst/>
-          </a:prstGeom>
-          <a:ln w="38100" cmpd="sng">
-            <a:solidFill>
-              <a:srgbClr val="75B53C"/>
-            </a:solidFill>
-          </a:ln>
-          <a:effectLst/>
-        </p:spPr>
-        <p:style>
-          <a:lnRef idx="2">
-            <a:schemeClr val="accent1"/>
-          </a:lnRef>
-          <a:fillRef idx="0">
-            <a:schemeClr val="accent1"/>
-          </a:fillRef>
-          <a:effectRef idx="1">
-            <a:schemeClr val="accent1"/>
-          </a:effectRef>
-          <a:fontRef idx="minor">
-            <a:schemeClr val="tx1"/>
-          </a:fontRef>
-        </p:style>
-      </p:cxnSp>
-      <p:cxnSp>
-        <p:nvCxnSpPr>
-          <p:cNvPr id="37" name="直線コネクタ 36"/>
-          <p:cNvCxnSpPr>
-            <a:stCxn id="28" idx="3"/>
-            <a:endCxn id="41" idx="1"/>
-          </p:cNvCxnSpPr>
-          <p:nvPr/>
-        </p:nvCxnSpPr>
-        <p:spPr>
-          <a:xfrm flipV="1">
-            <a:off x="6220087" y="3886041"/>
-            <a:ext cx="508233" cy="1588"/>
-          </a:xfrm>
-          <a:prstGeom prst="line">
-            <a:avLst/>
-          </a:prstGeom>
-          <a:ln w="38100" cmpd="sng">
-            <a:solidFill>
-              <a:srgbClr val="75B53C"/>
-            </a:solidFill>
-          </a:ln>
-          <a:effectLst/>
-        </p:spPr>
-        <p:style>
-          <a:lnRef idx="2">
-            <a:schemeClr val="accent1"/>
-          </a:lnRef>
-          <a:fillRef idx="0">
-            <a:schemeClr val="accent1"/>
-          </a:fillRef>
-          <a:effectRef idx="1">
-            <a:schemeClr val="accent1"/>
-          </a:effectRef>
-          <a:fontRef idx="minor">
-            <a:schemeClr val="tx1"/>
-          </a:fontRef>
-        </p:style>
-      </p:cxnSp>
-      <p:cxnSp>
-        <p:nvCxnSpPr>
-          <p:cNvPr id="38" name="直線コネクタ 37"/>
-          <p:cNvCxnSpPr>
-            <a:stCxn id="26" idx="3"/>
-            <a:endCxn id="39" idx="1"/>
-          </p:cNvCxnSpPr>
-          <p:nvPr/>
-        </p:nvCxnSpPr>
-        <p:spPr>
-          <a:xfrm flipV="1">
-            <a:off x="6220087" y="2484440"/>
-            <a:ext cx="508233" cy="1588"/>
-          </a:xfrm>
-          <a:prstGeom prst="line">
-            <a:avLst/>
-          </a:prstGeom>
-          <a:ln w="38100" cmpd="sng">
-            <a:solidFill>
-              <a:srgbClr val="75B53C"/>
-            </a:solidFill>
-          </a:ln>
-          <a:effectLst/>
-        </p:spPr>
-        <p:style>
-          <a:lnRef idx="2">
-            <a:schemeClr val="accent1"/>
-          </a:lnRef>
-          <a:fillRef idx="0">
-            <a:schemeClr val="accent1"/>
-          </a:fillRef>
-          <a:effectRef idx="1">
-            <a:schemeClr val="accent1"/>
-          </a:effectRef>
-          <a:fontRef idx="minor">
-            <a:schemeClr val="tx1"/>
-          </a:fontRef>
-        </p:style>
-      </p:cxnSp>
-      <p:sp>
-        <p:nvSpPr>
-          <p:cNvPr id="39" name="角丸四角形 38"/>
-          <p:cNvSpPr/>
-          <p:nvPr/>
-        </p:nvSpPr>
-        <p:spPr>
-          <a:xfrm>
-            <a:off x="6728320" y="2237231"/>
-            <a:ext cx="1948967" cy="494418"/>
-          </a:xfrm>
-          <a:prstGeom prst="roundRect">
-            <a:avLst/>
-          </a:prstGeom>
-          <a:solidFill>
-            <a:srgbClr val="75B53C">
-              <a:alpha val="5000"/>
-            </a:srgbClr>
-          </a:solidFill>
-          <a:ln w="38100" cmpd="sng">
-            <a:solidFill>
-              <a:srgbClr val="75B53C"/>
-            </a:solidFill>
-          </a:ln>
-        </p:spPr>
-        <p:style>
-          <a:lnRef idx="2">
-            <a:schemeClr val="accent1">
-              <a:shade val="50000"/>
-            </a:schemeClr>
-          </a:lnRef>
-          <a:fillRef idx="1">
-            <a:schemeClr val="accent1"/>
-          </a:fillRef>
-          <a:effectRef idx="0">
-            <a:schemeClr val="accent1"/>
-          </a:effectRef>
-          <a:fontRef idx="minor">
-            <a:schemeClr val="lt1"/>
-          </a:fontRef>
-        </p:style>
-        <p:txBody>
-          <a:bodyPr rtlCol="0" anchor="ctr"/>
-          <a:lstStyle/>
-          <a:p>
-            <a:pPr algn="ctr"/>
-            <a:r>
-              <a:rPr kumimoji="1" lang="en-US" altLang="ja-JP" dirty="0" smtClean="0">
-                <a:solidFill>
-                  <a:schemeClr val="tx1">
-                    <a:lumMod val="75000"/>
-                    <a:lumOff val="25000"/>
-                  </a:schemeClr>
-                </a:solidFill>
-              </a:rPr>
-              <a:t>0</a:t>
-            </a:r>
-            <a:r>
-              <a:rPr kumimoji="1" lang="ja-JP" altLang="en-US" dirty="0" smtClean="0">
-                <a:solidFill>
-                  <a:schemeClr val="tx1">
-                    <a:lumMod val="75000"/>
-                    <a:lumOff val="25000"/>
-                  </a:schemeClr>
-                </a:solidFill>
-              </a:rPr>
-              <a:t>円</a:t>
-            </a:r>
-            <a:endParaRPr kumimoji="1" lang="en-US" altLang="ja-JP" dirty="0" smtClean="0">
-              <a:solidFill>
-                <a:schemeClr val="tx1">
-                  <a:lumMod val="75000"/>
-                  <a:lumOff val="25000"/>
-                </a:schemeClr>
-              </a:solidFill>
-            </a:endParaRPr>
-          </a:p>
-        </p:txBody>
-      </p:sp>
-      <p:sp>
-        <p:nvSpPr>
-          <p:cNvPr id="40" name="角丸四角形 39"/>
-          <p:cNvSpPr/>
-          <p:nvPr/>
-        </p:nvSpPr>
-        <p:spPr>
-          <a:xfrm>
-            <a:off x="6728320" y="2927708"/>
-            <a:ext cx="1948967" cy="494418"/>
-          </a:xfrm>
-          <a:prstGeom prst="roundRect">
-            <a:avLst/>
-          </a:prstGeom>
-          <a:solidFill>
-            <a:srgbClr val="75B53C">
-              <a:alpha val="5000"/>
-            </a:srgbClr>
-          </a:solidFill>
-          <a:ln w="38100" cmpd="sng">
-            <a:solidFill>
-              <a:srgbClr val="75B53C"/>
-            </a:solidFill>
-          </a:ln>
-        </p:spPr>
-        <p:style>
-          <a:lnRef idx="2">
-            <a:schemeClr val="accent1">
-              <a:shade val="50000"/>
-            </a:schemeClr>
-          </a:lnRef>
-          <a:fillRef idx="1">
-            <a:schemeClr val="accent1"/>
-          </a:fillRef>
-          <a:effectRef idx="0">
-            <a:schemeClr val="accent1"/>
-          </a:effectRef>
-          <a:fontRef idx="minor">
-            <a:schemeClr val="lt1"/>
-          </a:fontRef>
-        </p:style>
-        <p:txBody>
-          <a:bodyPr rtlCol="0" anchor="ctr"/>
-          <a:lstStyle/>
-          <a:p>
-            <a:pPr algn="ctr"/>
-            <a:r>
-              <a:rPr lang="en-US" altLang="ja-JP" dirty="0" smtClean="0">
-                <a:solidFill>
-                  <a:schemeClr val="tx1">
-                    <a:lumMod val="75000"/>
-                    <a:lumOff val="25000"/>
-                  </a:schemeClr>
-                </a:solidFill>
-              </a:rPr>
-              <a:t>6</a:t>
-            </a:r>
-            <a:r>
-              <a:rPr kumimoji="1" lang="en-US" altLang="ja-JP" dirty="0" smtClean="0">
-                <a:solidFill>
-                  <a:schemeClr val="tx1">
-                    <a:lumMod val="75000"/>
-                    <a:lumOff val="25000"/>
-                  </a:schemeClr>
-                </a:solidFill>
-              </a:rPr>
-              <a:t>00</a:t>
-            </a:r>
-            <a:r>
-              <a:rPr kumimoji="1" lang="ja-JP" altLang="en-US" dirty="0" smtClean="0">
-                <a:solidFill>
-                  <a:schemeClr val="tx1">
-                    <a:lumMod val="75000"/>
-                    <a:lumOff val="25000"/>
-                  </a:schemeClr>
-                </a:solidFill>
-              </a:rPr>
-              <a:t>円</a:t>
-            </a:r>
-            <a:r>
-              <a:rPr lang="ja-JP" altLang="en-US" dirty="0" smtClean="0">
-                <a:solidFill>
-                  <a:schemeClr val="tx1">
-                    <a:lumMod val="75000"/>
-                    <a:lumOff val="25000"/>
-                  </a:schemeClr>
-                </a:solidFill>
-              </a:rPr>
-              <a:t>／月</a:t>
-            </a:r>
-            <a:endParaRPr kumimoji="1" lang="en-US" altLang="ja-JP" dirty="0" smtClean="0">
-              <a:solidFill>
-                <a:schemeClr val="tx1">
-                  <a:lumMod val="75000"/>
-                  <a:lumOff val="25000"/>
-                </a:schemeClr>
-              </a:solidFill>
-            </a:endParaRPr>
-          </a:p>
-        </p:txBody>
-      </p:sp>
-      <p:sp>
-        <p:nvSpPr>
-          <p:cNvPr id="41" name="角丸四角形 40"/>
-          <p:cNvSpPr/>
-          <p:nvPr/>
-        </p:nvSpPr>
-        <p:spPr>
-          <a:xfrm>
-            <a:off x="6728320" y="3638832"/>
-            <a:ext cx="1948967" cy="494418"/>
-          </a:xfrm>
-          <a:prstGeom prst="roundRect">
-            <a:avLst/>
-          </a:prstGeom>
-          <a:solidFill>
-            <a:srgbClr val="75B53C">
-              <a:alpha val="5000"/>
-            </a:srgbClr>
-          </a:solidFill>
-          <a:ln w="38100" cmpd="sng">
-            <a:solidFill>
-              <a:srgbClr val="75B53C"/>
-            </a:solidFill>
-          </a:ln>
-        </p:spPr>
-        <p:style>
-          <a:lnRef idx="2">
-            <a:schemeClr val="accent1">
-              <a:shade val="50000"/>
-            </a:schemeClr>
-          </a:lnRef>
-          <a:fillRef idx="1">
-            <a:schemeClr val="accent1"/>
-          </a:fillRef>
-          <a:effectRef idx="0">
-            <a:schemeClr val="accent1"/>
-          </a:effectRef>
-          <a:fontRef idx="minor">
-            <a:schemeClr val="lt1"/>
-          </a:fontRef>
-        </p:style>
-        <p:txBody>
-          <a:bodyPr rtlCol="0" anchor="ctr"/>
-          <a:lstStyle/>
-          <a:p>
-            <a:pPr algn="ctr"/>
-            <a:r>
-              <a:rPr lang="en-US" altLang="ja-JP" dirty="0" smtClean="0">
-                <a:solidFill>
-                  <a:schemeClr val="tx1">
-                    <a:lumMod val="75000"/>
-                    <a:lumOff val="25000"/>
-                  </a:schemeClr>
-                </a:solidFill>
-              </a:rPr>
-              <a:t>1,8</a:t>
-            </a:r>
-            <a:r>
-              <a:rPr kumimoji="1" lang="en-US" altLang="ja-JP" dirty="0" smtClean="0">
-                <a:solidFill>
-                  <a:schemeClr val="tx1">
-                    <a:lumMod val="75000"/>
-                    <a:lumOff val="25000"/>
-                  </a:schemeClr>
-                </a:solidFill>
-              </a:rPr>
-              <a:t>00</a:t>
-            </a:r>
-            <a:r>
-              <a:rPr kumimoji="1" lang="ja-JP" altLang="en-US" dirty="0" smtClean="0">
-                <a:solidFill>
-                  <a:schemeClr val="tx1">
-                    <a:lumMod val="75000"/>
-                    <a:lumOff val="25000"/>
-                  </a:schemeClr>
-                </a:solidFill>
-              </a:rPr>
-              <a:t>円／月</a:t>
-            </a:r>
-            <a:endParaRPr kumimoji="1" lang="en-US" altLang="ja-JP" dirty="0" smtClean="0">
-              <a:solidFill>
-                <a:schemeClr val="tx1">
-                  <a:lumMod val="75000"/>
-                  <a:lumOff val="25000"/>
-                </a:schemeClr>
-              </a:solidFill>
-            </a:endParaRPr>
-          </a:p>
-        </p:txBody>
-      </p:sp>
-      <p:sp>
-        <p:nvSpPr>
-          <p:cNvPr id="30" name="角丸四角形 29"/>
-          <p:cNvSpPr/>
-          <p:nvPr/>
-        </p:nvSpPr>
-        <p:spPr>
-          <a:xfrm>
-            <a:off x="1011864" y="4470478"/>
-            <a:ext cx="8002241" cy="2126831"/>
-          </a:xfrm>
-          <a:prstGeom prst="roundRect">
-            <a:avLst>
-              <a:gd name="adj" fmla="val 7575"/>
-            </a:avLst>
-          </a:prstGeom>
-          <a:noFill/>
-          <a:ln w="28575" cmpd="sng">
-            <a:solidFill>
-              <a:srgbClr val="69C83F"/>
-            </a:solidFill>
-          </a:ln>
-          <a:effectLst/>
-        </p:spPr>
-        <p:style>
-          <a:lnRef idx="1">
-            <a:schemeClr val="accent1"/>
-          </a:lnRef>
-          <a:fillRef idx="3">
-            <a:schemeClr val="accent1"/>
-          </a:fillRef>
-          <a:effectRef idx="2">
-            <a:schemeClr val="accent1"/>
-          </a:effectRef>
-          <a:fontRef idx="minor">
-            <a:schemeClr val="lt1"/>
-          </a:fontRef>
-        </p:style>
-        <p:txBody>
-          <a:bodyPr rtlCol="0" anchor="t"/>
-          <a:lstStyle/>
-          <a:p>
-            <a:r>
-              <a:rPr lang="en-US" altLang="ja-JP" sz="1400" dirty="0" smtClean="0">
-                <a:solidFill>
-                  <a:schemeClr val="tx1">
-                    <a:lumMod val="75000"/>
-                    <a:lumOff val="25000"/>
-                  </a:schemeClr>
-                </a:solidFill>
-              </a:rPr>
-              <a:t>5,000</a:t>
-            </a:r>
-            <a:r>
-              <a:rPr lang="ja-JP" altLang="en-US" sz="1400" dirty="0" smtClean="0">
-                <a:solidFill>
-                  <a:schemeClr val="tx1">
-                    <a:lumMod val="75000"/>
-                    <a:lumOff val="25000"/>
-                  </a:schemeClr>
-                </a:solidFill>
-              </a:rPr>
-              <a:t>名規模</a:t>
-            </a:r>
-          </a:p>
-          <a:p>
-            <a:r>
-              <a:rPr lang="ja-JP" altLang="en-US" sz="1400" dirty="0" smtClean="0">
-                <a:solidFill>
-                  <a:schemeClr val="tx1">
-                    <a:lumMod val="75000"/>
-                    <a:lumOff val="25000"/>
-                  </a:schemeClr>
-                </a:solidFill>
-              </a:rPr>
-              <a:t>無料会員（</a:t>
-            </a:r>
-            <a:r>
-              <a:rPr lang="en-US" altLang="ja-JP" sz="1400" dirty="0" smtClean="0">
-                <a:solidFill>
-                  <a:schemeClr val="tx1">
-                    <a:lumMod val="75000"/>
-                    <a:lumOff val="25000"/>
-                  </a:schemeClr>
-                </a:solidFill>
-              </a:rPr>
-              <a:t>4,600</a:t>
-            </a:r>
-            <a:r>
-              <a:rPr lang="ja-JP" altLang="en-US" sz="1400" dirty="0" smtClean="0">
-                <a:solidFill>
-                  <a:schemeClr val="tx1">
-                    <a:lumMod val="75000"/>
-                    <a:lumOff val="25000"/>
-                  </a:schemeClr>
-                </a:solidFill>
-              </a:rPr>
-              <a:t>人）</a:t>
-            </a:r>
-            <a:r>
-              <a:rPr kumimoji="1" lang="ja-JP" altLang="en-US" sz="1400" dirty="0" smtClean="0">
-                <a:solidFill>
-                  <a:schemeClr val="tx1">
-                    <a:lumMod val="75000"/>
-                    <a:lumOff val="25000"/>
-                  </a:schemeClr>
-                </a:solidFill>
-              </a:rPr>
-              <a:t>ハイパーミニ会員（</a:t>
-            </a:r>
-            <a:r>
-              <a:rPr lang="en-US" altLang="ja-JP" sz="1400" dirty="0" smtClean="0">
-                <a:solidFill>
-                  <a:schemeClr val="tx1">
-                    <a:lumMod val="75000"/>
-                    <a:lumOff val="25000"/>
-                  </a:schemeClr>
-                </a:solidFill>
-              </a:rPr>
-              <a:t>300</a:t>
-            </a:r>
-            <a:r>
-              <a:rPr lang="ja-JP" altLang="en-US" sz="1400" dirty="0" smtClean="0">
-                <a:solidFill>
-                  <a:schemeClr val="tx1">
-                    <a:lumMod val="75000"/>
-                    <a:lumOff val="25000"/>
-                  </a:schemeClr>
-                </a:solidFill>
-              </a:rPr>
-              <a:t>人）</a:t>
-            </a:r>
-            <a:r>
-              <a:rPr kumimoji="1" lang="ja-JP" altLang="en-US" sz="1400" dirty="0" smtClean="0">
-                <a:solidFill>
-                  <a:schemeClr val="tx1">
-                    <a:lumMod val="75000"/>
-                    <a:lumOff val="25000"/>
-                  </a:schemeClr>
-                </a:solidFill>
-              </a:rPr>
-              <a:t>ハイパーダッシュ会員（</a:t>
-            </a:r>
-            <a:r>
-              <a:rPr kumimoji="1" lang="en-US" altLang="ja-JP" sz="1400" dirty="0" smtClean="0">
-                <a:solidFill>
-                  <a:schemeClr val="tx1">
-                    <a:lumMod val="75000"/>
-                    <a:lumOff val="25000"/>
-                  </a:schemeClr>
-                </a:solidFill>
-              </a:rPr>
-              <a:t>100</a:t>
-            </a:r>
-            <a:r>
-              <a:rPr kumimoji="1" lang="ja-JP" altLang="en-US" sz="1400" dirty="0" smtClean="0">
-                <a:solidFill>
-                  <a:schemeClr val="tx1">
-                    <a:lumMod val="75000"/>
-                    <a:lumOff val="25000"/>
-                  </a:schemeClr>
-                </a:solidFill>
-              </a:rPr>
-              <a:t>人）の場合</a:t>
-            </a:r>
-          </a:p>
-          <a:p>
-            <a:endParaRPr lang="en-US" altLang="ja-JP" sz="1400" dirty="0" smtClean="0">
-              <a:solidFill>
-                <a:schemeClr val="tx1">
-                  <a:lumMod val="75000"/>
-                  <a:lumOff val="25000"/>
-                </a:schemeClr>
-              </a:solidFill>
-            </a:endParaRPr>
-          </a:p>
-          <a:p>
-            <a:r>
-              <a:rPr lang="en-US" altLang="ja-JP" sz="1400" dirty="0" smtClean="0">
-                <a:solidFill>
-                  <a:schemeClr val="tx1">
-                    <a:lumMod val="75000"/>
-                    <a:lumOff val="25000"/>
-                  </a:schemeClr>
-                </a:solidFill>
-              </a:rPr>
-              <a:t>0 </a:t>
-            </a:r>
-            <a:r>
-              <a:rPr lang="en-US" altLang="ja-JP" sz="1400" dirty="0" err="1" smtClean="0">
-                <a:solidFill>
-                  <a:schemeClr val="tx1">
-                    <a:lumMod val="75000"/>
-                    <a:lumOff val="25000"/>
-                  </a:schemeClr>
-                </a:solidFill>
-              </a:rPr>
-              <a:t>x</a:t>
-            </a:r>
-            <a:r>
-              <a:rPr lang="en-US" altLang="ja-JP" sz="1400" dirty="0" smtClean="0">
-                <a:solidFill>
-                  <a:schemeClr val="tx1">
-                    <a:lumMod val="75000"/>
-                    <a:lumOff val="25000"/>
-                  </a:schemeClr>
-                </a:solidFill>
-              </a:rPr>
-              <a:t> 4,600</a:t>
-            </a:r>
-          </a:p>
-          <a:p>
-            <a:r>
-              <a:rPr kumimoji="1" lang="en-US" altLang="ja-JP" sz="1400" dirty="0" smtClean="0">
-                <a:solidFill>
-                  <a:schemeClr val="tx1">
-                    <a:lumMod val="75000"/>
-                    <a:lumOff val="25000"/>
-                  </a:schemeClr>
-                </a:solidFill>
-              </a:rPr>
-              <a:t>+ 600 x 300</a:t>
-            </a:r>
-          </a:p>
-          <a:p>
-            <a:r>
-              <a:rPr lang="en-US" altLang="ja-JP" sz="1400" dirty="0" smtClean="0">
-                <a:solidFill>
-                  <a:schemeClr val="tx1">
-                    <a:lumMod val="75000"/>
-                    <a:lumOff val="25000"/>
-                  </a:schemeClr>
-                </a:solidFill>
-              </a:rPr>
-              <a:t>+ 1,800 x 100</a:t>
-            </a:r>
-          </a:p>
-          <a:p>
-            <a:r>
-              <a:rPr kumimoji="1" lang="en-US" altLang="ja-JP" sz="1400" dirty="0" smtClean="0">
-                <a:solidFill>
-                  <a:schemeClr val="tx1">
-                    <a:lumMod val="75000"/>
-                    <a:lumOff val="25000"/>
-                  </a:schemeClr>
-                </a:solidFill>
-              </a:rPr>
-              <a:t>---------------------------</a:t>
-            </a:r>
-          </a:p>
-          <a:p>
-            <a:r>
-              <a:rPr lang="en-US" altLang="ja-JP" sz="1400" dirty="0" smtClean="0">
-                <a:solidFill>
-                  <a:schemeClr val="tx1">
-                    <a:lumMod val="75000"/>
-                    <a:lumOff val="25000"/>
-                  </a:schemeClr>
-                </a:solidFill>
-              </a:rPr>
-              <a:t>360,000</a:t>
-            </a:r>
-            <a:r>
-              <a:rPr lang="ja-JP" altLang="en-US" sz="1400" dirty="0" smtClean="0">
-                <a:solidFill>
-                  <a:schemeClr val="tx1">
-                    <a:lumMod val="75000"/>
-                    <a:lumOff val="25000"/>
-                  </a:schemeClr>
-                </a:solidFill>
-              </a:rPr>
-              <a:t>円／月</a:t>
-            </a:r>
-            <a:endParaRPr kumimoji="1" lang="ja-JP" altLang="en-US" sz="1400" dirty="0" smtClean="0">
-              <a:solidFill>
-                <a:schemeClr val="tx1">
-                  <a:lumMod val="75000"/>
-                  <a:lumOff val="25000"/>
-                </a:schemeClr>
-              </a:solidFill>
-            </a:endParaRPr>
-          </a:p>
-          <a:p>
-            <a:endParaRPr lang="ja-JP" altLang="en-US" sz="1400" dirty="0">
-              <a:solidFill>
-                <a:schemeClr val="tx1">
-                  <a:lumMod val="75000"/>
-                  <a:lumOff val="25000"/>
-                </a:schemeClr>
-              </a:solidFill>
-            </a:endParaRPr>
-          </a:p>
-          <a:p>
-            <a:endParaRPr kumimoji="1" lang="en-US" altLang="ja-JP" sz="1400" dirty="0" smtClean="0">
-              <a:solidFill>
-                <a:schemeClr val="tx1">
-                  <a:lumMod val="75000"/>
-                  <a:lumOff val="25000"/>
-                </a:schemeClr>
-              </a:solidFill>
-            </a:endParaRPr>
-          </a:p>
-          <a:p>
-            <a:endParaRPr kumimoji="1" lang="ja-JP" altLang="en-US" sz="1400" dirty="0">
-              <a:solidFill>
-                <a:schemeClr val="tx1">
-                  <a:lumMod val="75000"/>
-                  <a:lumOff val="25000"/>
-                </a:schemeClr>
-              </a:solidFill>
-            </a:endParaRPr>
-          </a:p>
-        </p:txBody>
-      </p:sp>
-      <p:sp>
-        <p:nvSpPr>
-          <p:cNvPr id="31" name="角丸四角形 30"/>
-          <p:cNvSpPr/>
-          <p:nvPr/>
-        </p:nvSpPr>
-        <p:spPr>
-          <a:xfrm>
-            <a:off x="3577822" y="5196951"/>
-            <a:ext cx="5312357" cy="1276469"/>
-          </a:xfrm>
-          <a:prstGeom prst="roundRect">
-            <a:avLst>
-              <a:gd name="adj" fmla="val 7575"/>
-            </a:avLst>
-          </a:prstGeom>
-          <a:noFill/>
-          <a:ln w="28575" cmpd="sng">
-            <a:solidFill>
-              <a:srgbClr val="69C83F"/>
-            </a:solidFill>
-          </a:ln>
-          <a:effectLst/>
-        </p:spPr>
-        <p:style>
-          <a:lnRef idx="1">
-            <a:schemeClr val="accent1"/>
-          </a:lnRef>
-          <a:fillRef idx="3">
-            <a:schemeClr val="accent1"/>
-          </a:fillRef>
-          <a:effectRef idx="2">
-            <a:schemeClr val="accent1"/>
-          </a:effectRef>
-          <a:fontRef idx="minor">
-            <a:schemeClr val="lt1"/>
-          </a:fontRef>
-        </p:style>
-        <p:txBody>
-          <a:bodyPr rtlCol="0" anchor="t"/>
-          <a:lstStyle/>
-          <a:p>
-            <a:r>
-              <a:rPr lang="ja-JP" altLang="en-US" sz="1400" dirty="0" smtClean="0">
-                <a:solidFill>
-                  <a:schemeClr val="tx1">
-                    <a:lumMod val="75000"/>
-                    <a:lumOff val="25000"/>
-                  </a:schemeClr>
-                </a:solidFill>
-              </a:rPr>
-              <a:t>経費</a:t>
-            </a:r>
-          </a:p>
-          <a:p>
-            <a:r>
-              <a:rPr lang="ja-JP" altLang="en-US" sz="1400" dirty="0" smtClean="0">
-                <a:solidFill>
-                  <a:schemeClr val="tx1">
-                    <a:lumMod val="75000"/>
-                    <a:lumOff val="25000"/>
-                  </a:schemeClr>
-                </a:solidFill>
-              </a:rPr>
-              <a:t>・</a:t>
-            </a:r>
-            <a:r>
-              <a:rPr lang="en-US" altLang="ja-JP" sz="1400" dirty="0" smtClean="0">
-                <a:solidFill>
-                  <a:schemeClr val="tx1">
-                    <a:lumMod val="75000"/>
-                    <a:lumOff val="25000"/>
-                  </a:schemeClr>
-                </a:solidFill>
-              </a:rPr>
-              <a:t>36,000</a:t>
-            </a:r>
-            <a:r>
-              <a:rPr lang="ja-JP" altLang="en-US" sz="1400" dirty="0" smtClean="0">
-                <a:solidFill>
-                  <a:schemeClr val="tx1">
-                    <a:lumMod val="75000"/>
-                    <a:lumOff val="25000"/>
-                  </a:schemeClr>
-                </a:solidFill>
-              </a:rPr>
-              <a:t>円　ちょきんばこ利用料（</a:t>
-            </a:r>
-            <a:r>
-              <a:rPr lang="en-US" altLang="ja-JP" sz="1400" dirty="0" smtClean="0">
-                <a:solidFill>
-                  <a:schemeClr val="tx1">
-                    <a:lumMod val="75000"/>
-                    <a:lumOff val="25000"/>
-                  </a:schemeClr>
-                </a:solidFill>
-              </a:rPr>
-              <a:t>10%</a:t>
-            </a:r>
-            <a:r>
-              <a:rPr lang="ja-JP" altLang="en-US" sz="1400" dirty="0" smtClean="0">
-                <a:solidFill>
-                  <a:schemeClr val="tx1">
-                    <a:lumMod val="75000"/>
-                    <a:lumOff val="25000"/>
-                  </a:schemeClr>
-                </a:solidFill>
-              </a:rPr>
-              <a:t>）</a:t>
-            </a:r>
-          </a:p>
-          <a:p>
-            <a:r>
-              <a:rPr kumimoji="1" lang="ja-JP" altLang="en-US" sz="1400" dirty="0" smtClean="0">
-                <a:solidFill>
-                  <a:schemeClr val="tx1">
-                    <a:lumMod val="75000"/>
-                    <a:lumOff val="25000"/>
-                  </a:schemeClr>
-                </a:solidFill>
-              </a:rPr>
-              <a:t>・</a:t>
-            </a:r>
-            <a:r>
-              <a:rPr kumimoji="1" lang="en-US" altLang="ja-JP" sz="1400" dirty="0" smtClean="0">
-                <a:solidFill>
-                  <a:schemeClr val="tx1">
-                    <a:lumMod val="75000"/>
-                    <a:lumOff val="25000"/>
-                  </a:schemeClr>
-                </a:solidFill>
-              </a:rPr>
-              <a:t>50,000</a:t>
-            </a:r>
-            <a:r>
-              <a:rPr kumimoji="1" lang="ja-JP" altLang="en-US" sz="1400" dirty="0" smtClean="0">
-                <a:solidFill>
-                  <a:schemeClr val="tx1">
-                    <a:lumMod val="75000"/>
-                    <a:lumOff val="25000"/>
-                  </a:schemeClr>
-                </a:solidFill>
-              </a:rPr>
-              <a:t>円　</a:t>
-            </a:r>
-            <a:r>
-              <a:rPr kumimoji="1" lang="en-US" altLang="ja-JP" sz="1400" dirty="0" smtClean="0">
-                <a:solidFill>
-                  <a:schemeClr val="tx1">
-                    <a:lumMod val="75000"/>
-                    <a:lumOff val="25000"/>
-                  </a:schemeClr>
-                </a:solidFill>
-              </a:rPr>
-              <a:t>SNS5,000</a:t>
-            </a:r>
-            <a:r>
-              <a:rPr kumimoji="1" lang="ja-JP" altLang="en-US" sz="1400" dirty="0" smtClean="0">
-                <a:solidFill>
-                  <a:schemeClr val="tx1">
-                    <a:lumMod val="75000"/>
-                    <a:lumOff val="25000"/>
-                  </a:schemeClr>
-                </a:solidFill>
-              </a:rPr>
-              <a:t>人枠一括追加</a:t>
-            </a:r>
-          </a:p>
-          <a:p>
-            <a:r>
-              <a:rPr lang="en-US" altLang="ja-JP" sz="1400" dirty="0" smtClean="0">
-                <a:solidFill>
-                  <a:schemeClr val="tx1">
-                    <a:lumMod val="75000"/>
-                    <a:lumOff val="25000"/>
-                  </a:schemeClr>
-                </a:solidFill>
-              </a:rPr>
-              <a:t>------------------------</a:t>
-            </a:r>
-          </a:p>
-          <a:p>
-            <a:r>
-              <a:rPr kumimoji="1" lang="en-US" altLang="ja-JP" sz="1400" dirty="0" smtClean="0">
-                <a:solidFill>
-                  <a:schemeClr val="tx1">
-                    <a:lumMod val="75000"/>
-                    <a:lumOff val="25000"/>
-                  </a:schemeClr>
-                </a:solidFill>
-              </a:rPr>
-              <a:t>86,000</a:t>
-            </a:r>
-            <a:r>
-              <a:rPr kumimoji="1" lang="ja-JP" altLang="en-US" sz="1400" dirty="0" smtClean="0">
-                <a:solidFill>
-                  <a:schemeClr val="tx1">
-                    <a:lumMod val="75000"/>
-                    <a:lumOff val="25000"/>
-                  </a:schemeClr>
-                </a:solidFill>
-              </a:rPr>
-              <a:t>円／月</a:t>
-            </a:r>
-          </a:p>
-        </p:txBody>
-      </p:sp>
-    </p:spTree>
-    <p:extLst>
-      <p:ext uri="{BB962C8B-B14F-4D97-AF65-F5344CB8AC3E}">
-        <p14:creationId xmlns="" xmlns:a="http://schemas.openxmlformats.org/drawingml/2006/main" xmlns:r="http://schemas.openxmlformats.org/officeDocument/2006/relationships" xmlns:p="http://schemas.openxmlformats.org/presentationml/2006/main" xmlns:p14="http://schemas.microsoft.com/office/powerpoint/2010/main" xmlns:mv="urn:schemas-microsoft-com:mac:vml" xmlns:mc="http://schemas.openxmlformats.org/markup-compatibility/2006" val="4110981954"/>
-      </p:ext>
-    </p:extLst>
-  </p:cSld>
-  <p:clrMapOvr>
-    <a:masterClrMapping/>
-  </p:clrMapOvr>
-  <p:timing>
-    <p:tnLst>
-      <p:par>
-        <p:cTn id="1" dur="indefinite" restart="never" nodeType="tmRoot"/>
-      </p:par>
-    </p:tnLst>
-  </p:timing>
-</p:sld>
-</file>
-
-<file path=ppt/slides/slide7.xml><?xml version="1.0" encoding="utf-8"?>
-<p:sld xmlns:a="http://schemas.openxmlformats.org/drawingml/2006/main" xmlns:r="http://schemas.openxmlformats.org/officeDocument/2006/relationships" xmlns:mc="http://schemas.openxmlformats.org/markup-compatibility/2006" xmlns:mv="urn:schemas-microsoft-com:mac:vml" xmlns:p="http://schemas.openxmlformats.org/presentationml/2006/main" mc:Ignorable="mv" mc:PreserveAttributes="mv:*">
-  <p:cSld>
-    <p:spTree>
-      <p:nvGrpSpPr>
-        <p:cNvPr id="1" name=""/>
-        <p:cNvGrpSpPr/>
-        <p:nvPr/>
-      </p:nvGrpSpPr>
-      <p:grpSpPr>
-        <a:xfrm>
-          <a:off x="0" y="0"/>
-          <a:ext cx="0" cy="0"/>
-          <a:chOff x="0" y="0"/>
-          <a:chExt cx="0" cy="0"/>
-        </a:xfrm>
-      </p:grpSpPr>
-      <p:sp>
-        <p:nvSpPr>
-          <p:cNvPr id="2" name="タイトル 1"/>
-          <p:cNvSpPr>
-            <a:spLocks noGrp="1"/>
-          </p:cNvSpPr>
-          <p:nvPr>
-            <p:ph type="title"/>
-          </p:nvPr>
-        </p:nvSpPr>
-        <p:spPr/>
-        <p:txBody>
-          <a:bodyPr/>
-          <a:lstStyle/>
-          <a:p>
-            <a:r>
-              <a:rPr lang="en-US" altLang="ja-JP" dirty="0" smtClean="0"/>
-              <a:t>06. </a:t>
             </a:r>
             <a:r>
               <a:rPr lang="ja-JP" altLang="en-US" dirty="0" smtClean="0"/>
@@ -20807,7 +19123,7 @@
     </p:spTree>
     <p:extLst>
       <p:ext uri="{BB962C8B-B14F-4D97-AF65-F5344CB8AC3E}">
-        <p14:creationId xmlns="" xmlns:a="http://schemas.openxmlformats.org/drawingml/2006/main" xmlns:r="http://schemas.openxmlformats.org/officeDocument/2006/relationships" xmlns:p="http://schemas.openxmlformats.org/presentationml/2006/main" xmlns:p14="http://schemas.microsoft.com/office/powerpoint/2010/main" xmlns:mv="urn:schemas-microsoft-com:mac:vml" xmlns:mc="http://schemas.openxmlformats.org/markup-compatibility/2006" val="1668600358"/>
+        <p14:creationId xmlns:mc="http://schemas.openxmlformats.org/markup-compatibility/2006" xmlns:mv="urn:schemas-microsoft-com:mac:vml" xmlns:p14="http://schemas.microsoft.com/office/powerpoint/2010/main" xmlns:p="http://schemas.openxmlformats.org/presentationml/2006/main" xmlns:r="http://schemas.openxmlformats.org/officeDocument/2006/relationships" xmlns:a="http://schemas.openxmlformats.org/drawingml/2006/main" xmlns="" val="1668600358"/>
       </p:ext>
     </p:extLst>
   </p:cSld>
@@ -20824,7 +19140,7 @@
 </p:sld>
 </file>
 
-<file path=ppt/slides/slide8.xml><?xml version="1.0" encoding="utf-8"?>
+<file path=ppt/slides/slide7.xml><?xml version="1.0" encoding="utf-8"?>
 <p:sld xmlns:a="http://schemas.openxmlformats.org/drawingml/2006/main" xmlns:r="http://schemas.openxmlformats.org/officeDocument/2006/relationships" xmlns:mc="http://schemas.openxmlformats.org/markup-compatibility/2006" xmlns:mv="urn:schemas-microsoft-com:mac:vml" xmlns:p="http://schemas.openxmlformats.org/presentationml/2006/main" mc:Ignorable="mv" mc:PreserveAttributes="mv:*">
   <p:cSld>
     <p:spTree>
@@ -20858,11 +19174,11 @@
           <a:p>
             <a:r>
               <a:rPr lang="en-US" altLang="ja-JP" dirty="0" smtClean="0"/>
-              <a:t>07. </a:t>
+              <a:t>06. </a:t>
             </a:r>
             <a:r>
               <a:rPr lang="ja-JP" altLang="en-US" dirty="0" smtClean="0"/>
-              <a:t>会計レポート</a:t>
+              <a:t>通帳機能</a:t>
             </a:r>
             <a:endParaRPr lang="ja-JP" altLang="en-US" dirty="0"/>
           </a:p>
@@ -20885,42 +19201,12 @@
           <a:p>
             <a:r>
               <a:rPr lang="ja-JP" altLang="en-US" dirty="0" smtClean="0"/>
-              <a:t>　会計レポート</a:t>
+              <a:t>　通帳機能（会計レポート機能）</a:t>
             </a:r>
             <a:endParaRPr lang="ja-JP" altLang="en-US" dirty="0"/>
           </a:p>
         </p:txBody>
       </p:sp>
-      <p:pic>
-        <p:nvPicPr>
-          <p:cNvPr id="4" name="図 3" descr="201310011832.png"/>
-          <p:cNvPicPr>
-            <a:picLocks noChangeAspect="1"/>
-          </p:cNvPicPr>
-          <p:nvPr/>
-        </p:nvPicPr>
-        <p:blipFill>
-          <a:blip r:embed="rId2">
-            <a:extLst>
-              <a:ext uri="{28A0092B-C50C-407E-A947-70E740481C1C}">
-                <a14:useLocalDpi xmlns="" xmlns:a="http://schemas.openxmlformats.org/drawingml/2006/main" xmlns:r="http://schemas.openxmlformats.org/officeDocument/2006/relationships" xmlns:p="http://schemas.openxmlformats.org/presentationml/2006/main" xmlns:a14="http://schemas.microsoft.com/office/drawing/2010/main" xmlns:mv="urn:schemas-microsoft-com:mac:vml" xmlns:mc="http://schemas.openxmlformats.org/markup-compatibility/2006" val="0"/>
-              </a:ext>
-            </a:extLst>
-          </a:blip>
-          <a:stretch>
-            <a:fillRect/>
-          </a:stretch>
-        </p:blipFill>
-        <p:spPr>
-          <a:xfrm>
-            <a:off x="603169" y="2790328"/>
-            <a:ext cx="2590800" cy="2611805"/>
-          </a:xfrm>
-          <a:prstGeom prst="rect">
-            <a:avLst/>
-          </a:prstGeom>
-        </p:spPr>
-      </p:pic>
       <p:sp>
         <p:nvSpPr>
           <p:cNvPr id="5" name="テキスト ボックス 4"/>
@@ -20930,7 +19216,7 @@
         <p:spPr>
           <a:xfrm>
             <a:off x="414337" y="1350546"/>
-            <a:ext cx="9096376" cy="810478"/>
+            <a:ext cx="9096376" cy="1549142"/>
           </a:xfrm>
           <a:prstGeom prst="rect">
             <a:avLst/>
@@ -20949,7 +19235,7 @@
               </a:lnSpc>
             </a:pPr>
             <a:r>
-              <a:rPr lang="ja-JP" altLang="en-US" sz="1600" dirty="0" smtClean="0">
+              <a:rPr lang="en-US" altLang="ja-JP" sz="1600" dirty="0" smtClean="0">
                 <a:solidFill>
                   <a:schemeClr val="tx1">
                     <a:lumMod val="75000"/>
@@ -20959,587 +19245,157 @@
                 <a:latin typeface="+mn-ea"/>
                 <a:ea typeface="+mn-ea"/>
               </a:rPr>
-              <a:t>集まった集金額は、毎月自動的にレポート化され、すべての会員に向けて共有されます。会の運営の透明性をアピールできます。</a:t>
-            </a:r>
-            <a:endParaRPr lang="en-US" altLang="ja-JP" sz="1600" dirty="0" smtClean="0">
-              <a:solidFill>
-                <a:schemeClr val="tx1">
-                  <a:lumMod val="75000"/>
-                  <a:lumOff val="25000"/>
-                </a:schemeClr>
-              </a:solidFill>
-              <a:latin typeface="+mn-ea"/>
-              <a:ea typeface="+mn-ea"/>
-            </a:endParaRPr>
-          </a:p>
-        </p:txBody>
-      </p:sp>
-      <p:sp>
-        <p:nvSpPr>
-          <p:cNvPr id="7" name="右矢印 6"/>
-          <p:cNvSpPr/>
-          <p:nvPr/>
-        </p:nvSpPr>
-        <p:spPr>
-          <a:xfrm>
-            <a:off x="3417950" y="3840370"/>
-            <a:ext cx="505725" cy="511721"/>
-          </a:xfrm>
-          <a:prstGeom prst="rightArrow">
-            <a:avLst/>
-          </a:prstGeom>
-          <a:solidFill>
-            <a:srgbClr val="75B53C">
-              <a:alpha val="10000"/>
-            </a:srgbClr>
-          </a:solidFill>
-          <a:ln w="38100" cmpd="sng">
-            <a:solidFill>
-              <a:srgbClr val="75B53C"/>
-            </a:solidFill>
-          </a:ln>
-          <a:effectLst/>
-        </p:spPr>
-        <p:style>
-          <a:lnRef idx="1">
-            <a:schemeClr val="accent1"/>
-          </a:lnRef>
-          <a:fillRef idx="3">
-            <a:schemeClr val="accent1"/>
-          </a:fillRef>
-          <a:effectRef idx="2">
-            <a:schemeClr val="accent1"/>
-          </a:effectRef>
-          <a:fontRef idx="minor">
-            <a:schemeClr val="lt1"/>
-          </a:fontRef>
-        </p:style>
-        <p:txBody>
-          <a:bodyPr rtlCol="0" anchor="ctr"/>
-          <a:lstStyle/>
-          <a:p>
-            <a:pPr algn="ctr"/>
-            <a:endParaRPr kumimoji="1" lang="ja-JP" altLang="en-US"/>
-          </a:p>
-        </p:txBody>
-      </p:sp>
-      <p:sp>
-        <p:nvSpPr>
-          <p:cNvPr id="8" name="角丸四角形 7"/>
-          <p:cNvSpPr/>
-          <p:nvPr/>
-        </p:nvSpPr>
-        <p:spPr>
-          <a:xfrm>
-            <a:off x="623819" y="5664201"/>
-            <a:ext cx="2590800" cy="573088"/>
-          </a:xfrm>
-          <a:prstGeom prst="roundRect">
-            <a:avLst/>
-          </a:prstGeom>
-          <a:solidFill>
-            <a:srgbClr val="CF6368">
-              <a:alpha val="35000"/>
-            </a:srgbClr>
-          </a:solidFill>
-          <a:ln>
-            <a:noFill/>
-          </a:ln>
-          <a:effectLst/>
-        </p:spPr>
-        <p:style>
-          <a:lnRef idx="1">
-            <a:schemeClr val="accent1"/>
-          </a:lnRef>
-          <a:fillRef idx="3">
-            <a:schemeClr val="accent1"/>
-          </a:fillRef>
-          <a:effectRef idx="2">
-            <a:schemeClr val="accent1"/>
-          </a:effectRef>
-          <a:fontRef idx="minor">
-            <a:schemeClr val="lt1"/>
-          </a:fontRef>
-        </p:style>
-        <p:txBody>
-          <a:bodyPr rtlCol="0" anchor="ctr"/>
-          <a:lstStyle/>
-          <a:p>
-            <a:pPr algn="ctr"/>
-            <a:r>
-              <a:rPr kumimoji="1" lang="ja-JP" altLang="en-US" dirty="0" smtClean="0">
+              <a:t>SNS</a:t>
+            </a:r>
+            <a:r>
+              <a:rPr lang="ja-JP" altLang="en-US" sz="1600" dirty="0" smtClean="0">
                 <a:solidFill>
                   <a:schemeClr val="tx1">
                     <a:lumMod val="75000"/>
                     <a:lumOff val="25000"/>
                   </a:schemeClr>
                 </a:solidFill>
-              </a:rPr>
-              <a:t>管理画面</a:t>
-            </a:r>
-            <a:r>
-              <a:rPr lang="ja-JP" altLang="en-US" dirty="0" smtClean="0">
+                <a:latin typeface="+mn-ea"/>
+                <a:ea typeface="+mn-ea"/>
+              </a:rPr>
+              <a:t>全体、各コミュニティごとの集金状況を参加者全員が閲覧することができます。</a:t>
+            </a:r>
+          </a:p>
+          <a:p>
+            <a:pPr>
+              <a:lnSpc>
+                <a:spcPct val="150000"/>
+              </a:lnSpc>
+            </a:pPr>
+            <a:r>
+              <a:rPr lang="ja-JP" altLang="en-US" sz="1600" dirty="0" smtClean="0">
                 <a:solidFill>
                   <a:schemeClr val="tx1">
                     <a:lumMod val="75000"/>
                     <a:lumOff val="25000"/>
                   </a:schemeClr>
                 </a:solidFill>
-              </a:rPr>
-              <a:t>での支出</a:t>
-            </a:r>
-            <a:r>
-              <a:rPr kumimoji="1" lang="ja-JP" altLang="en-US" dirty="0" smtClean="0">
+                <a:latin typeface="+mn-ea"/>
+                <a:ea typeface="+mn-ea"/>
+              </a:rPr>
+              <a:t>利用者が支払ったの支払履歴も確認できます。過去のレポートを</a:t>
+            </a:r>
+            <a:r>
+              <a:rPr lang="en-US" altLang="ja-JP" sz="1600" dirty="0" smtClean="0">
                 <a:solidFill>
                   <a:schemeClr val="tx1">
                     <a:lumMod val="75000"/>
                     <a:lumOff val="25000"/>
                   </a:schemeClr>
                 </a:solidFill>
-              </a:rPr>
-              <a:t>入力</a:t>
-            </a:r>
-            <a:endParaRPr kumimoji="1" lang="ja-JP" altLang="en-US" dirty="0">
-              <a:solidFill>
-                <a:schemeClr val="tx1">
-                  <a:lumMod val="75000"/>
-                  <a:lumOff val="25000"/>
-                </a:schemeClr>
-              </a:solidFill>
-            </a:endParaRPr>
-          </a:p>
-        </p:txBody>
-      </p:sp>
-      <p:sp>
-        <p:nvSpPr>
-          <p:cNvPr id="9" name="メモ 8"/>
-          <p:cNvSpPr/>
-          <p:nvPr/>
-        </p:nvSpPr>
-        <p:spPr>
-          <a:xfrm rot="16200000">
-            <a:off x="3953466" y="3086343"/>
-            <a:ext cx="2188071" cy="1897881"/>
-          </a:xfrm>
-          <a:prstGeom prst="foldedCorner">
-            <a:avLst/>
-          </a:prstGeom>
-          <a:solidFill>
-            <a:srgbClr val="69C83F">
-              <a:alpha val="5000"/>
-            </a:srgbClr>
-          </a:solidFill>
-          <a:ln w="38100" cmpd="sng">
-            <a:solidFill>
-              <a:schemeClr val="tx1">
-                <a:lumMod val="50000"/>
-                <a:lumOff val="50000"/>
-              </a:schemeClr>
-            </a:solidFill>
-          </a:ln>
-          <a:effectLst/>
-        </p:spPr>
-        <p:style>
-          <a:lnRef idx="1">
-            <a:schemeClr val="accent1"/>
-          </a:lnRef>
-          <a:fillRef idx="3">
-            <a:schemeClr val="accent1"/>
-          </a:fillRef>
-          <a:effectRef idx="2">
-            <a:schemeClr val="accent1"/>
-          </a:effectRef>
-          <a:fontRef idx="minor">
-            <a:schemeClr val="lt1"/>
-          </a:fontRef>
-        </p:style>
-        <p:txBody>
-          <a:bodyPr rtlCol="0" anchor="ctr"/>
-          <a:lstStyle/>
-          <a:p>
-            <a:pPr algn="ctr"/>
-            <a:endParaRPr kumimoji="1" lang="ja-JP" altLang="en-US" sz="1400" dirty="0">
-              <a:solidFill>
-                <a:srgbClr val="404040"/>
-              </a:solidFill>
-            </a:endParaRPr>
-          </a:p>
-        </p:txBody>
-      </p:sp>
-      <p:sp>
-        <p:nvSpPr>
-          <p:cNvPr id="10" name="右矢印 9"/>
-          <p:cNvSpPr/>
-          <p:nvPr/>
-        </p:nvSpPr>
-        <p:spPr>
-          <a:xfrm>
-            <a:off x="6267552" y="3061203"/>
-            <a:ext cx="541347" cy="511721"/>
-          </a:xfrm>
-          <a:prstGeom prst="rightArrow">
-            <a:avLst/>
-          </a:prstGeom>
-          <a:solidFill>
-            <a:srgbClr val="75B53C">
-              <a:alpha val="10000"/>
-            </a:srgbClr>
-          </a:solidFill>
-          <a:ln w="38100" cmpd="sng">
-            <a:solidFill>
-              <a:srgbClr val="75B53C"/>
-            </a:solidFill>
-          </a:ln>
-          <a:effectLst/>
-        </p:spPr>
-        <p:style>
-          <a:lnRef idx="1">
-            <a:schemeClr val="accent1"/>
-          </a:lnRef>
-          <a:fillRef idx="3">
-            <a:schemeClr val="accent1"/>
-          </a:fillRef>
-          <a:effectRef idx="2">
-            <a:schemeClr val="accent1"/>
-          </a:effectRef>
-          <a:fontRef idx="minor">
-            <a:schemeClr val="lt1"/>
-          </a:fontRef>
-        </p:style>
-        <p:txBody>
-          <a:bodyPr rtlCol="0" anchor="ctr"/>
-          <a:lstStyle/>
-          <a:p>
-            <a:pPr algn="ctr"/>
-            <a:endParaRPr kumimoji="1" lang="ja-JP" altLang="en-US"/>
-          </a:p>
-        </p:txBody>
-      </p:sp>
-      <p:sp>
-        <p:nvSpPr>
-          <p:cNvPr id="11" name="右矢印 10"/>
-          <p:cNvSpPr/>
-          <p:nvPr/>
-        </p:nvSpPr>
-        <p:spPr>
-          <a:xfrm>
-            <a:off x="6267552" y="4722539"/>
-            <a:ext cx="541347" cy="511721"/>
-          </a:xfrm>
-          <a:prstGeom prst="rightArrow">
-            <a:avLst/>
-          </a:prstGeom>
-          <a:solidFill>
-            <a:srgbClr val="75B53C">
-              <a:alpha val="10000"/>
-            </a:srgbClr>
-          </a:solidFill>
-          <a:ln w="38100" cmpd="sng">
-            <a:solidFill>
-              <a:srgbClr val="75B53C"/>
-            </a:solidFill>
-          </a:ln>
-          <a:effectLst/>
-        </p:spPr>
-        <p:style>
-          <a:lnRef idx="1">
-            <a:schemeClr val="accent1"/>
-          </a:lnRef>
-          <a:fillRef idx="3">
-            <a:schemeClr val="accent1"/>
-          </a:fillRef>
-          <a:effectRef idx="2">
-            <a:schemeClr val="accent1"/>
-          </a:effectRef>
-          <a:fontRef idx="minor">
-            <a:schemeClr val="lt1"/>
-          </a:fontRef>
-        </p:style>
-        <p:txBody>
-          <a:bodyPr rtlCol="0" anchor="ctr"/>
-          <a:lstStyle/>
-          <a:p>
-            <a:pPr algn="ctr"/>
-            <a:endParaRPr kumimoji="1" lang="ja-JP" altLang="en-US"/>
+                <a:latin typeface="+mn-ea"/>
+                <a:ea typeface="+mn-ea"/>
+              </a:rPr>
+              <a:t>CSV</a:t>
+            </a:r>
+            <a:r>
+              <a:rPr lang="ja-JP" altLang="en-US" sz="1600" dirty="0" smtClean="0">
+                <a:solidFill>
+                  <a:schemeClr val="tx1">
+                    <a:lumMod val="75000"/>
+                    <a:lumOff val="25000"/>
+                  </a:schemeClr>
+                </a:solidFill>
+                <a:latin typeface="+mn-ea"/>
+                <a:ea typeface="+mn-ea"/>
+              </a:rPr>
+              <a:t>形式でダウンロードできます。</a:t>
+            </a:r>
+          </a:p>
+          <a:p>
+            <a:pPr>
+              <a:lnSpc>
+                <a:spcPct val="150000"/>
+              </a:lnSpc>
+            </a:pPr>
+            <a:r>
+              <a:rPr lang="ja-JP" altLang="en-US" sz="1600" dirty="0" smtClean="0">
+                <a:solidFill>
+                  <a:schemeClr val="tx1">
+                    <a:lumMod val="75000"/>
+                    <a:lumOff val="25000"/>
+                  </a:schemeClr>
+                </a:solidFill>
+                <a:latin typeface="+mn-ea"/>
+                <a:ea typeface="+mn-ea"/>
+              </a:rPr>
+              <a:t>集金状況の透明性をメンバー全員にアピールすることができます。</a:t>
+            </a:r>
           </a:p>
         </p:txBody>
       </p:sp>
       <p:pic>
         <p:nvPicPr>
-          <p:cNvPr id="12" name="図 11"/>
+          <p:cNvPr id="7" name="図 6" descr="201403121832.png"/>
           <p:cNvPicPr>
             <a:picLocks noChangeAspect="1"/>
           </p:cNvPicPr>
           <p:nvPr/>
         </p:nvPicPr>
-        <p:blipFill>
-          <a:blip r:embed="rId3"/>
-          <a:stretch>
-            <a:fillRect/>
-          </a:stretch>
+        <p:blipFill rotWithShape="1">
+          <a:blip r:embed="rId2">
+            <a:extLst>
+              <a:ext uri="{28A0092B-C50C-407E-A947-70E740481C1C}">
+                <a14:useLocalDpi xmlns:a14="http://schemas.microsoft.com/office/drawing/2010/main" xmlns:p="http://schemas.openxmlformats.org/presentationml/2006/main" xmlns:r="http://schemas.openxmlformats.org/officeDocument/2006/relationships" xmlns:a="http://schemas.openxmlformats.org/drawingml/2006/main" xmlns="" val="0"/>
+              </a:ext>
+            </a:extLst>
+          </a:blip>
+          <a:srcRect b="3522"/>
+          <a:stretch/>
         </p:blipFill>
         <p:spPr>
           <a:xfrm>
-            <a:off x="7858253" y="2307727"/>
-            <a:ext cx="1582404" cy="1532643"/>
+            <a:off x="280113" y="3476284"/>
+            <a:ext cx="4873623" cy="2264090"/>
           </a:xfrm>
           <a:prstGeom prst="rect">
             <a:avLst/>
           </a:prstGeom>
         </p:spPr>
       </p:pic>
-      <p:grpSp>
-        <p:nvGrpSpPr>
-          <p:cNvPr id="16" name="図形グループ 15"/>
-          <p:cNvGrpSpPr/>
+      <p:pic>
+        <p:nvPicPr>
+          <p:cNvPr id="4" name="図 3" descr="201403121829.png"/>
+          <p:cNvPicPr>
+            <a:picLocks noChangeAspect="1"/>
+          </p:cNvPicPr>
           <p:nvPr/>
-        </p:nvGrpSpPr>
-        <p:grpSpPr>
+        </p:nvPicPr>
+        <p:blipFill rotWithShape="1">
+          <a:blip r:embed="rId3">
+            <a:extLst>
+              <a:ext uri="{28A0092B-C50C-407E-A947-70E740481C1C}">
+                <a14:useLocalDpi xmlns:a14="http://schemas.microsoft.com/office/drawing/2010/main" xmlns:p="http://schemas.openxmlformats.org/presentationml/2006/main" xmlns:r="http://schemas.openxmlformats.org/officeDocument/2006/relationships" xmlns:a="http://schemas.openxmlformats.org/drawingml/2006/main" xmlns="" val="0"/>
+              </a:ext>
+            </a:extLst>
+          </a:blip>
+          <a:srcRect b="5964"/>
+          <a:stretch/>
+        </p:blipFill>
+        <p:spPr>
           <a:xfrm>
-            <a:off x="7088385" y="3012912"/>
-            <a:ext cx="604088" cy="380352"/>
-            <a:chOff x="7378700" y="4978398"/>
-            <a:chExt cx="1714500" cy="1079502"/>
+            <a:off x="4774243" y="4349394"/>
+            <a:ext cx="5069807" cy="2413096"/>
           </a:xfrm>
-        </p:grpSpPr>
-        <p:sp>
-          <p:nvSpPr>
-            <p:cNvPr id="14" name="正方形/長方形 13"/>
-            <p:cNvSpPr/>
-            <p:nvPr/>
-          </p:nvSpPr>
-          <p:spPr>
-            <a:xfrm>
-              <a:off x="7378700" y="4978400"/>
-              <a:ext cx="1714500" cy="1079500"/>
-            </a:xfrm>
-            <a:prstGeom prst="rect">
-              <a:avLst/>
-            </a:prstGeom>
-            <a:solidFill>
-              <a:srgbClr val="69C83F">
-                <a:alpha val="5000"/>
-              </a:srgbClr>
-            </a:solidFill>
-            <a:ln w="38100" cmpd="sng">
-              <a:solidFill>
-                <a:srgbClr val="AAB36C"/>
-              </a:solidFill>
-            </a:ln>
-            <a:effectLst/>
-          </p:spPr>
-          <p:style>
-            <a:lnRef idx="1">
-              <a:schemeClr val="accent1"/>
-            </a:lnRef>
-            <a:fillRef idx="3">
-              <a:schemeClr val="accent1"/>
-            </a:fillRef>
-            <a:effectRef idx="2">
-              <a:schemeClr val="accent1"/>
-            </a:effectRef>
-            <a:fontRef idx="minor">
-              <a:schemeClr val="lt1"/>
-            </a:fontRef>
-          </p:style>
-          <p:txBody>
-            <a:bodyPr rtlCol="0" anchor="ctr"/>
-            <a:lstStyle/>
-            <a:p>
-              <a:pPr algn="ctr"/>
-              <a:endParaRPr kumimoji="1" lang="ja-JP" altLang="en-US"/>
-            </a:p>
-          </p:txBody>
-        </p:sp>
-        <p:sp>
-          <p:nvSpPr>
-            <p:cNvPr id="15" name="二等辺三角形 14"/>
-            <p:cNvSpPr/>
-            <p:nvPr/>
-          </p:nvSpPr>
-          <p:spPr>
-            <a:xfrm rot="10800000">
-              <a:off x="7378700" y="4978398"/>
-              <a:ext cx="1714500" cy="596901"/>
-            </a:xfrm>
-            <a:prstGeom prst="triangle">
-              <a:avLst/>
-            </a:prstGeom>
-            <a:solidFill>
-              <a:srgbClr val="69C83F">
-                <a:alpha val="5000"/>
-              </a:srgbClr>
-            </a:solidFill>
-            <a:ln w="38100" cmpd="sng">
-              <a:solidFill>
-                <a:srgbClr val="AAB36C"/>
-              </a:solidFill>
-            </a:ln>
-            <a:effectLst/>
-          </p:spPr>
-          <p:style>
-            <a:lnRef idx="1">
-              <a:schemeClr val="accent1"/>
-            </a:lnRef>
-            <a:fillRef idx="3">
-              <a:schemeClr val="accent1"/>
-            </a:fillRef>
-            <a:effectRef idx="2">
-              <a:schemeClr val="accent1"/>
-            </a:effectRef>
-            <a:fontRef idx="minor">
-              <a:schemeClr val="lt1"/>
-            </a:fontRef>
-          </p:style>
-          <p:txBody>
-            <a:bodyPr rtlCol="0" anchor="ctr"/>
-            <a:lstStyle/>
-            <a:p>
-              <a:pPr algn="ctr"/>
-              <a:endParaRPr kumimoji="1" lang="ja-JP" altLang="en-US"/>
-            </a:p>
-          </p:txBody>
-        </p:sp>
-      </p:grpSp>
+          <a:prstGeom prst="rect">
+            <a:avLst/>
+          </a:prstGeom>
+        </p:spPr>
+      </p:pic>
       <p:sp>
         <p:nvSpPr>
-          <p:cNvPr id="17" name="角丸四角形 16"/>
-          <p:cNvSpPr/>
-          <p:nvPr/>
-        </p:nvSpPr>
-        <p:spPr>
-          <a:xfrm>
-            <a:off x="3657600" y="5664201"/>
-            <a:ext cx="2590800" cy="573088"/>
-          </a:xfrm>
-          <a:prstGeom prst="roundRect">
-            <a:avLst/>
-          </a:prstGeom>
-          <a:solidFill>
-            <a:srgbClr val="CF6368">
-              <a:alpha val="35000"/>
-            </a:srgbClr>
-          </a:solidFill>
-          <a:ln>
-            <a:noFill/>
-          </a:ln>
-          <a:effectLst/>
-        </p:spPr>
-        <p:style>
-          <a:lnRef idx="1">
-            <a:schemeClr val="accent1"/>
-          </a:lnRef>
-          <a:fillRef idx="3">
-            <a:schemeClr val="accent1"/>
-          </a:fillRef>
-          <a:effectRef idx="2">
-            <a:schemeClr val="accent1"/>
-          </a:effectRef>
-          <a:fontRef idx="minor">
-            <a:schemeClr val="lt1"/>
-          </a:fontRef>
-        </p:style>
-        <p:txBody>
-          <a:bodyPr rtlCol="0" anchor="ctr"/>
-          <a:lstStyle/>
-          <a:p>
-            <a:pPr algn="ctr"/>
-            <a:r>
-              <a:rPr kumimoji="1" lang="ja-JP" altLang="en-US" dirty="0" smtClean="0">
-                <a:solidFill>
-                  <a:schemeClr val="tx1">
-                    <a:lumMod val="75000"/>
-                    <a:lumOff val="25000"/>
-                  </a:schemeClr>
-                </a:solidFill>
-              </a:rPr>
-              <a:t>レポート自動作成</a:t>
-            </a:r>
-            <a:endParaRPr kumimoji="1" lang="ja-JP" altLang="en-US" dirty="0">
-              <a:solidFill>
-                <a:schemeClr val="tx1">
-                  <a:lumMod val="75000"/>
-                  <a:lumOff val="25000"/>
-                </a:schemeClr>
-              </a:solidFill>
-            </a:endParaRPr>
-          </a:p>
-        </p:txBody>
-      </p:sp>
-      <p:sp>
-        <p:nvSpPr>
-          <p:cNvPr id="18" name="角丸四角形 17"/>
-          <p:cNvSpPr/>
-          <p:nvPr/>
-        </p:nvSpPr>
-        <p:spPr>
-          <a:xfrm>
-            <a:off x="6919912" y="3840370"/>
-            <a:ext cx="2590800" cy="573088"/>
-          </a:xfrm>
-          <a:prstGeom prst="roundRect">
-            <a:avLst/>
-          </a:prstGeom>
-          <a:solidFill>
-            <a:srgbClr val="CF6368">
-              <a:alpha val="35000"/>
-            </a:srgbClr>
-          </a:solidFill>
-          <a:ln>
-            <a:noFill/>
-          </a:ln>
-          <a:effectLst/>
-        </p:spPr>
-        <p:style>
-          <a:lnRef idx="1">
-            <a:schemeClr val="accent1"/>
-          </a:lnRef>
-          <a:fillRef idx="3">
-            <a:schemeClr val="accent1"/>
-          </a:fillRef>
-          <a:effectRef idx="2">
-            <a:schemeClr val="accent1"/>
-          </a:effectRef>
-          <a:fontRef idx="minor">
-            <a:schemeClr val="lt1"/>
-          </a:fontRef>
-        </p:style>
-        <p:txBody>
-          <a:bodyPr rtlCol="0" anchor="ctr"/>
-          <a:lstStyle/>
-          <a:p>
-            <a:pPr algn="ctr"/>
-            <a:r>
-              <a:rPr kumimoji="1" lang="ja-JP" altLang="en-US" dirty="0" smtClean="0">
-                <a:solidFill>
-                  <a:schemeClr val="tx1">
-                    <a:lumMod val="75000"/>
-                    <a:lumOff val="25000"/>
-                  </a:schemeClr>
-                </a:solidFill>
-              </a:rPr>
-              <a:t>会員へ共有</a:t>
-            </a:r>
-            <a:endParaRPr kumimoji="1" lang="ja-JP" altLang="en-US" dirty="0">
-              <a:solidFill>
-                <a:schemeClr val="tx1">
-                  <a:lumMod val="75000"/>
-                  <a:lumOff val="25000"/>
-                </a:schemeClr>
-              </a:solidFill>
-            </a:endParaRPr>
-          </a:p>
-        </p:txBody>
-      </p:sp>
-      <p:sp>
-        <p:nvSpPr>
-          <p:cNvPr id="19" name="メモ 18"/>
+          <p:cNvPr id="11" name="メモ 10"/>
           <p:cNvSpPr/>
           <p:nvPr/>
         </p:nvSpPr>
         <p:spPr>
           <a:xfrm rot="16200000">
-            <a:off x="6946055" y="4598916"/>
+            <a:off x="7520843" y="3191417"/>
             <a:ext cx="935455" cy="888942"/>
           </a:xfrm>
           <a:prstGeom prst="foldedCorner">
@@ -21586,61 +19442,13 @@
       </p:sp>
       <p:sp>
         <p:nvSpPr>
-          <p:cNvPr id="20" name="テキスト ボックス 19"/>
+          <p:cNvPr id="12" name="テキスト ボックス 11"/>
           <p:cNvSpPr txBox="1"/>
           <p:nvPr/>
         </p:nvSpPr>
         <p:spPr>
           <a:xfrm>
-            <a:off x="4549520" y="3032951"/>
-            <a:ext cx="902811" cy="307777"/>
-          </a:xfrm>
-          <a:prstGeom prst="rect">
-            <a:avLst/>
-          </a:prstGeom>
-          <a:noFill/>
-        </p:spPr>
-        <p:txBody>
-          <a:bodyPr wrap="none" rtlCol="0">
-            <a:spAutoFit/>
-          </a:bodyPr>
-          <a:lstStyle/>
-          <a:p>
-            <a:r>
-              <a:rPr kumimoji="1" lang="ja-JP" altLang="en-US" sz="1400" dirty="0" smtClean="0">
-                <a:solidFill>
-                  <a:schemeClr val="tx1">
-                    <a:lumMod val="75000"/>
-                    <a:lumOff val="25000"/>
-                  </a:schemeClr>
-                </a:solidFill>
-                <a:latin typeface="+mn-ea"/>
-                <a:ea typeface="+mn-ea"/>
-              </a:rPr>
-              <a:t>レポート</a:t>
-            </a:r>
-            <a:endParaRPr kumimoji="1" lang="ja-JP" altLang="en-US" sz="1400" dirty="0">
-              <a:solidFill>
-                <a:schemeClr val="tx1">
-                  <a:lumMod val="75000"/>
-                  <a:lumOff val="25000"/>
-                </a:schemeClr>
-              </a:solidFill>
-              <a:latin typeface="+mn-ea"/>
-              <a:ea typeface="+mn-ea"/>
-            </a:endParaRPr>
-          </a:p>
-        </p:txBody>
-      </p:sp>
-      <p:sp>
-        <p:nvSpPr>
-          <p:cNvPr id="21" name="テキスト ボックス 20"/>
-          <p:cNvSpPr txBox="1"/>
-          <p:nvPr/>
-        </p:nvSpPr>
-        <p:spPr>
-          <a:xfrm>
-            <a:off x="7141913" y="4889499"/>
+            <a:off x="7716701" y="3482000"/>
             <a:ext cx="543739" cy="307777"/>
           </a:xfrm>
           <a:prstGeom prst="rect">
@@ -21668,80 +19476,15 @@
           </a:p>
         </p:txBody>
       </p:sp>
-      <p:sp>
-        <p:nvSpPr>
-          <p:cNvPr id="22" name="角丸四角形 21"/>
-          <p:cNvSpPr/>
-          <p:nvPr/>
-        </p:nvSpPr>
-        <p:spPr>
-          <a:xfrm>
-            <a:off x="6919912" y="5664200"/>
-            <a:ext cx="2590800" cy="573088"/>
-          </a:xfrm>
-          <a:prstGeom prst="roundRect">
-            <a:avLst/>
-          </a:prstGeom>
-          <a:solidFill>
-            <a:srgbClr val="CF6368">
-              <a:alpha val="35000"/>
-            </a:srgbClr>
-          </a:solidFill>
-          <a:ln>
-            <a:noFill/>
-          </a:ln>
-          <a:effectLst/>
-        </p:spPr>
-        <p:style>
-          <a:lnRef idx="1">
-            <a:schemeClr val="accent1"/>
-          </a:lnRef>
-          <a:fillRef idx="3">
-            <a:schemeClr val="accent1"/>
-          </a:fillRef>
-          <a:effectRef idx="2">
-            <a:schemeClr val="accent1"/>
-          </a:effectRef>
-          <a:fontRef idx="minor">
-            <a:schemeClr val="lt1"/>
-          </a:fontRef>
-        </p:style>
-        <p:txBody>
-          <a:bodyPr rtlCol="0" anchor="ctr"/>
-          <a:lstStyle/>
-          <a:p>
-            <a:pPr algn="ctr"/>
-            <a:r>
-              <a:rPr kumimoji="1" lang="ja-JP" altLang="en-US" dirty="0" smtClean="0">
-                <a:solidFill>
-                  <a:schemeClr val="tx1">
-                    <a:lumMod val="75000"/>
-                    <a:lumOff val="25000"/>
-                  </a:schemeClr>
-                </a:solidFill>
-              </a:rPr>
-              <a:t>エクセルで利用</a:t>
-            </a:r>
-            <a:endParaRPr kumimoji="1" lang="ja-JP" altLang="en-US" dirty="0">
-              <a:solidFill>
-                <a:schemeClr val="tx1">
-                  <a:lumMod val="75000"/>
-                  <a:lumOff val="25000"/>
-                </a:schemeClr>
-              </a:solidFill>
-            </a:endParaRPr>
-          </a:p>
-        </p:txBody>
-      </p:sp>
       <p:grpSp>
         <p:nvGrpSpPr>
-          <p:cNvPr id="29" name="図形グループ 28"/>
+          <p:cNvPr id="6" name="図形グループ 13"/>
           <p:cNvGrpSpPr/>
           <p:nvPr/>
         </p:nvGrpSpPr>
         <p:grpSpPr>
           <a:xfrm>
-            <a:off x="8102071" y="4575659"/>
+            <a:off x="8676859" y="3168160"/>
             <a:ext cx="1075381" cy="964547"/>
             <a:chOff x="8279871" y="4575659"/>
             <a:chExt cx="1075381" cy="964547"/>
@@ -21749,7 +19492,7 @@
         </p:grpSpPr>
         <p:grpSp>
           <p:nvGrpSpPr>
-            <p:cNvPr id="27" name="図形グループ 26"/>
+            <p:cNvPr id="9" name="図形グループ 14"/>
             <p:cNvGrpSpPr/>
             <p:nvPr/>
           </p:nvGrpSpPr>
@@ -21763,7 +19506,7 @@
           </p:grpSpPr>
           <p:sp>
             <p:nvSpPr>
-              <p:cNvPr id="23" name="正方形/長方形 22"/>
+              <p:cNvPr id="18" name="正方形/長方形 17"/>
               <p:cNvSpPr/>
               <p:nvPr/>
             </p:nvSpPr>
@@ -21812,7 +19555,7 @@
           </p:sp>
           <p:sp>
             <p:nvSpPr>
-              <p:cNvPr id="24" name="正方形/長方形 23"/>
+              <p:cNvPr id="19" name="正方形/長方形 18"/>
               <p:cNvSpPr/>
               <p:nvPr/>
             </p:nvSpPr>
@@ -21858,7 +19601,7 @@
         </p:grpSp>
         <p:sp>
           <p:nvSpPr>
-            <p:cNvPr id="26" name="台形 25"/>
+            <p:cNvPr id="16" name="台形 15"/>
             <p:cNvSpPr/>
             <p:nvPr/>
           </p:nvSpPr>
@@ -21907,7 +19650,7 @@
         </p:sp>
         <p:sp>
           <p:nvSpPr>
-            <p:cNvPr id="28" name="正方形/長方形 27"/>
+            <p:cNvPr id="17" name="正方形/長方形 16"/>
             <p:cNvSpPr/>
             <p:nvPr/>
           </p:nvSpPr>
@@ -21955,29 +19698,428 @@
           </p:txBody>
         </p:sp>
       </p:grpSp>
+      <p:sp>
+        <p:nvSpPr>
+          <p:cNvPr id="8" name="テキスト ボックス 7"/>
+          <p:cNvSpPr txBox="1"/>
+          <p:nvPr/>
+        </p:nvSpPr>
+        <p:spPr>
+          <a:xfrm>
+            <a:off x="280112" y="3092510"/>
+            <a:ext cx="3003387" cy="369332"/>
+          </a:xfrm>
+          <a:prstGeom prst="rect">
+            <a:avLst/>
+          </a:prstGeom>
+          <a:noFill/>
+        </p:spPr>
+        <p:txBody>
+          <a:bodyPr wrap="square" rtlCol="0">
+            <a:spAutoFit/>
+          </a:bodyPr>
+          <a:lstStyle/>
+          <a:p>
+            <a:r>
+              <a:rPr kumimoji="1" lang="ja-JP" altLang="en-US" dirty="0" smtClean="0">
+                <a:solidFill>
+                  <a:schemeClr val="tx1">
+                    <a:lumMod val="75000"/>
+                    <a:lumOff val="25000"/>
+                  </a:schemeClr>
+                </a:solidFill>
+                <a:latin typeface="+mn-ea"/>
+                <a:ea typeface="+mn-ea"/>
+              </a:rPr>
+              <a:t>全体・コミュニティ別通帳</a:t>
+            </a:r>
+            <a:endParaRPr kumimoji="1" lang="ja-JP" altLang="en-US" dirty="0">
+              <a:solidFill>
+                <a:schemeClr val="tx1">
+                  <a:lumMod val="75000"/>
+                  <a:lumOff val="25000"/>
+                </a:schemeClr>
+              </a:solidFill>
+              <a:latin typeface="+mn-ea"/>
+              <a:ea typeface="+mn-ea"/>
+            </a:endParaRPr>
+          </a:p>
+        </p:txBody>
+      </p:sp>
+      <p:sp>
+        <p:nvSpPr>
+          <p:cNvPr id="20" name="テキスト ボックス 19"/>
+          <p:cNvSpPr txBox="1"/>
+          <p:nvPr/>
+        </p:nvSpPr>
+        <p:spPr>
+          <a:xfrm>
+            <a:off x="5239913" y="3979013"/>
+            <a:ext cx="2476788" cy="369332"/>
+          </a:xfrm>
+          <a:prstGeom prst="rect">
+            <a:avLst/>
+          </a:prstGeom>
+          <a:noFill/>
+        </p:spPr>
+        <p:txBody>
+          <a:bodyPr wrap="square" rtlCol="0">
+            <a:spAutoFit/>
+          </a:bodyPr>
+          <a:lstStyle/>
+          <a:p>
+            <a:r>
+              <a:rPr lang="ja-JP" altLang="en-US" dirty="0" smtClean="0">
+                <a:solidFill>
+                  <a:schemeClr val="tx1">
+                    <a:lumMod val="75000"/>
+                    <a:lumOff val="25000"/>
+                  </a:schemeClr>
+                </a:solidFill>
+                <a:latin typeface="+mn-ea"/>
+                <a:ea typeface="+mn-ea"/>
+              </a:rPr>
+              <a:t>個人通帳</a:t>
+            </a:r>
+            <a:endParaRPr kumimoji="1" lang="ja-JP" altLang="en-US" dirty="0">
+              <a:solidFill>
+                <a:schemeClr val="tx1">
+                  <a:lumMod val="75000"/>
+                  <a:lumOff val="25000"/>
+                </a:schemeClr>
+              </a:solidFill>
+              <a:latin typeface="+mn-ea"/>
+              <a:ea typeface="+mn-ea"/>
+            </a:endParaRPr>
+          </a:p>
+        </p:txBody>
+      </p:sp>
+      <p:sp>
+        <p:nvSpPr>
+          <p:cNvPr id="22" name="斜め縞 21"/>
+          <p:cNvSpPr/>
+          <p:nvPr/>
+        </p:nvSpPr>
+        <p:spPr>
+          <a:xfrm flipH="1">
+            <a:off x="8115889" y="1"/>
+            <a:ext cx="1800000" cy="1800000"/>
+          </a:xfrm>
+          <a:prstGeom prst="diagStripe">
+            <a:avLst>
+              <a:gd name="adj" fmla="val 64286"/>
+            </a:avLst>
+          </a:prstGeom>
+        </p:spPr>
+        <p:style>
+          <a:lnRef idx="2">
+            <a:schemeClr val="accent2">
+              <a:shade val="50000"/>
+            </a:schemeClr>
+          </a:lnRef>
+          <a:fillRef idx="1">
+            <a:schemeClr val="accent2"/>
+          </a:fillRef>
+          <a:effectRef idx="0">
+            <a:schemeClr val="accent2"/>
+          </a:effectRef>
+          <a:fontRef idx="minor">
+            <a:schemeClr val="lt1"/>
+          </a:fontRef>
+        </p:style>
+        <p:txBody>
+          <a:bodyPr rtlCol="0" anchor="ctr"/>
+          <a:lstStyle/>
+          <a:p>
+            <a:pPr algn="ctr"/>
+            <a:endParaRPr kumimoji="1" lang="ja-JP" altLang="en-US">
+              <a:solidFill>
+                <a:schemeClr val="tx1"/>
+              </a:solidFill>
+            </a:endParaRPr>
+          </a:p>
+        </p:txBody>
+      </p:sp>
+      <p:sp>
+        <p:nvSpPr>
+          <p:cNvPr id="23" name="テキスト ボックス 22"/>
+          <p:cNvSpPr txBox="1"/>
+          <p:nvPr/>
+        </p:nvSpPr>
+        <p:spPr>
+          <a:xfrm rot="2700000">
+            <a:off x="8250017" y="534643"/>
+            <a:ext cx="1842322" cy="400110"/>
+          </a:xfrm>
+          <a:prstGeom prst="rect">
+            <a:avLst/>
+          </a:prstGeom>
+          <a:noFill/>
+        </p:spPr>
+        <p:txBody>
+          <a:bodyPr wrap="square" rtlCol="0">
+            <a:spAutoFit/>
+          </a:bodyPr>
+          <a:lstStyle/>
+          <a:p>
+            <a:pPr algn="ctr"/>
+            <a:r>
+              <a:rPr kumimoji="1" lang="en-US" altLang="ja-JP" sz="2000" dirty="0" smtClean="0">
+                <a:solidFill>
+                  <a:schemeClr val="bg1"/>
+                </a:solidFill>
+                <a:latin typeface="+mn-ea"/>
+                <a:ea typeface="+mn-ea"/>
+              </a:rPr>
+              <a:t>5</a:t>
+            </a:r>
+            <a:r>
+              <a:rPr kumimoji="1" lang="ja-JP" altLang="en-US" sz="2000" dirty="0" smtClean="0">
+                <a:solidFill>
+                  <a:schemeClr val="bg1"/>
+                </a:solidFill>
+                <a:latin typeface="+mn-ea"/>
+                <a:ea typeface="+mn-ea"/>
+              </a:rPr>
+              <a:t>月提供予定</a:t>
+            </a:r>
+            <a:endParaRPr kumimoji="1" lang="ja-JP" altLang="en-US" sz="2000" dirty="0">
+              <a:solidFill>
+                <a:schemeClr val="bg1"/>
+              </a:solidFill>
+              <a:latin typeface="+mn-ea"/>
+              <a:ea typeface="+mn-ea"/>
+            </a:endParaRPr>
+          </a:p>
+        </p:txBody>
+      </p:sp>
+    </p:spTree>
+    <p:extLst>
+      <p:ext uri="{BB962C8B-B14F-4D97-AF65-F5344CB8AC3E}">
+        <p14:creationId xmlns:p14="http://schemas.microsoft.com/office/powerpoint/2010/main" xmlns:p="http://schemas.openxmlformats.org/presentationml/2006/main" xmlns:r="http://schemas.openxmlformats.org/officeDocument/2006/relationships" xmlns:a="http://schemas.openxmlformats.org/drawingml/2006/main" xmlns="" val="2429792514"/>
+      </p:ext>
+    </p:extLst>
+  </p:cSld>
+  <p:clrMapOvr>
+    <a:masterClrMapping/>
+  </p:clrMapOvr>
+  <p:timing>
+    <p:tnLst>
+      <p:par>
+        <p:cTn id="1" dur="indefinite" restart="never" nodeType="tmRoot"/>
+      </p:par>
+    </p:tnLst>
+  </p:timing>
+</p:sld>
+</file>
+
+<file path=ppt/slides/slide8.xml><?xml version="1.0" encoding="utf-8"?>
+<p:sld xmlns:a="http://schemas.openxmlformats.org/drawingml/2006/main" xmlns:r="http://schemas.openxmlformats.org/officeDocument/2006/relationships" xmlns:mc="http://schemas.openxmlformats.org/markup-compatibility/2006" xmlns:mv="urn:schemas-microsoft-com:mac:vml" xmlns:p="http://schemas.openxmlformats.org/presentationml/2006/main" mc:Ignorable="mv" mc:PreserveAttributes="mv:*">
+  <p:cSld>
+    <p:spTree>
+      <p:nvGrpSpPr>
+        <p:cNvPr id="1" name=""/>
+        <p:cNvGrpSpPr/>
+        <p:nvPr/>
+      </p:nvGrpSpPr>
+      <p:grpSpPr>
+        <a:xfrm>
+          <a:off x="0" y="0"/>
+          <a:ext cx="0" cy="0"/>
+          <a:chOff x="0" y="0"/>
+          <a:chExt cx="0" cy="0"/>
+        </a:xfrm>
+      </p:grpSpPr>
+      <p:sp>
+        <p:nvSpPr>
+          <p:cNvPr id="2" name="タイトル 1"/>
+          <p:cNvSpPr>
+            <a:spLocks noGrp="1"/>
+          </p:cNvSpPr>
+          <p:nvPr>
+            <p:ph type="title"/>
+          </p:nvPr>
+        </p:nvSpPr>
+        <p:spPr/>
+        <p:txBody>
+          <a:bodyPr/>
+          <a:lstStyle/>
+          <a:p>
+            <a:r>
+              <a:rPr lang="en-US" altLang="ja-JP" dirty="0" smtClean="0"/>
+              <a:t>07. </a:t>
+            </a:r>
+            <a:r>
+              <a:rPr lang="ja-JP" altLang="en-US" dirty="0" smtClean="0"/>
+              <a:t>称号機能</a:t>
+            </a:r>
+            <a:endParaRPr lang="ja-JP" altLang="en-US" dirty="0"/>
+          </a:p>
+        </p:txBody>
+      </p:sp>
+      <p:sp>
+        <p:nvSpPr>
+          <p:cNvPr id="3" name="テキスト プレースホルダ 2"/>
+          <p:cNvSpPr>
+            <a:spLocks noGrp="1"/>
+          </p:cNvSpPr>
+          <p:nvPr>
+            <p:ph type="body" idx="1"/>
+          </p:nvPr>
+        </p:nvSpPr>
+        <p:spPr/>
+        <p:txBody>
+          <a:bodyPr/>
+          <a:lstStyle/>
+          <a:p>
+            <a:r>
+              <a:rPr lang="ja-JP" altLang="en-US" dirty="0" smtClean="0"/>
+              <a:t>　称号機能</a:t>
+            </a:r>
+            <a:endParaRPr lang="ja-JP" altLang="en-US" dirty="0"/>
+          </a:p>
+        </p:txBody>
+      </p:sp>
+      <p:sp>
+        <p:nvSpPr>
+          <p:cNvPr id="5" name="テキスト ボックス 4"/>
+          <p:cNvSpPr txBox="1"/>
+          <p:nvPr/>
+        </p:nvSpPr>
+        <p:spPr>
+          <a:xfrm>
+            <a:off x="414337" y="1350546"/>
+            <a:ext cx="9096376" cy="1179810"/>
+          </a:xfrm>
+          <a:prstGeom prst="rect">
+            <a:avLst/>
+          </a:prstGeom>
+          <a:noFill/>
+        </p:spPr>
+        <p:txBody>
+          <a:bodyPr wrap="square" rtlCol="0">
+            <a:spAutoFit/>
+          </a:bodyPr>
+          <a:lstStyle/>
+          <a:p>
+            <a:pPr>
+              <a:lnSpc>
+                <a:spcPct val="150000"/>
+              </a:lnSpc>
+            </a:pPr>
+            <a:r>
+              <a:rPr lang="en-US" altLang="ja-JP" sz="1600" dirty="0" smtClean="0">
+                <a:solidFill>
+                  <a:schemeClr val="tx1">
+                    <a:lumMod val="75000"/>
+                    <a:lumOff val="25000"/>
+                  </a:schemeClr>
+                </a:solidFill>
+                <a:latin typeface="+mn-ea"/>
+                <a:ea typeface="+mn-ea"/>
+              </a:rPr>
+              <a:t>SNS</a:t>
+            </a:r>
+            <a:r>
+              <a:rPr lang="ja-JP" altLang="en-US" sz="1600" dirty="0" smtClean="0">
+                <a:solidFill>
+                  <a:schemeClr val="tx1">
+                    <a:lumMod val="75000"/>
+                    <a:lumOff val="25000"/>
+                  </a:schemeClr>
+                </a:solidFill>
+                <a:latin typeface="+mn-ea"/>
+                <a:ea typeface="+mn-ea"/>
+              </a:rPr>
+              <a:t>内プロフィールに画像を表示したり、ニックネームの後ろに文字を表示することができます。</a:t>
+            </a:r>
+            <a:endParaRPr lang="en-US" altLang="ja-JP" sz="1600" dirty="0" smtClean="0">
+              <a:solidFill>
+                <a:schemeClr val="tx1">
+                  <a:lumMod val="75000"/>
+                  <a:lumOff val="25000"/>
+                </a:schemeClr>
+              </a:solidFill>
+              <a:latin typeface="+mn-ea"/>
+              <a:ea typeface="+mn-ea"/>
+            </a:endParaRPr>
+          </a:p>
+          <a:p>
+            <a:pPr>
+              <a:lnSpc>
+                <a:spcPct val="150000"/>
+              </a:lnSpc>
+            </a:pPr>
+            <a:r>
+              <a:rPr lang="ja-JP" altLang="en-US" sz="1600" dirty="0" smtClean="0">
+                <a:solidFill>
+                  <a:schemeClr val="tx1">
+                    <a:lumMod val="75000"/>
+                    <a:lumOff val="25000"/>
+                  </a:schemeClr>
+                </a:solidFill>
+                <a:latin typeface="+mn-ea"/>
+                <a:ea typeface="+mn-ea"/>
+              </a:rPr>
+              <a:t>称号の付与は管理画面にて行ないます。一人の会員に対して複数の称号を付与することができ、会員はどの称号を表示するかを選択することができます。</a:t>
+            </a:r>
+          </a:p>
+        </p:txBody>
+      </p:sp>
       <p:pic>
         <p:nvPicPr>
-          <p:cNvPr id="30" name="図 29" descr="201310011832.png"/>
+          <p:cNvPr id="9" name="図 8" descr="201403121825.png"/>
           <p:cNvPicPr>
             <a:picLocks noChangeAspect="1"/>
           </p:cNvPicPr>
           <p:nvPr/>
         </p:nvPicPr>
-        <p:blipFill rotWithShape="1">
+        <p:blipFill>
           <a:blip r:embed="rId2">
             <a:extLst>
               <a:ext uri="{28A0092B-C50C-407E-A947-70E740481C1C}">
-                <a14:useLocalDpi xmlns="" xmlns:a="http://schemas.openxmlformats.org/drawingml/2006/main" xmlns:r="http://schemas.openxmlformats.org/officeDocument/2006/relationships" xmlns:p="http://schemas.openxmlformats.org/presentationml/2006/main" xmlns:a14="http://schemas.microsoft.com/office/drawing/2010/main" xmlns:mv="urn:schemas-microsoft-com:mac:vml" xmlns:mc="http://schemas.openxmlformats.org/markup-compatibility/2006" val="0"/>
+                <a14:useLocalDpi xmlns:a14="http://schemas.microsoft.com/office/drawing/2010/main" xmlns:p="http://schemas.openxmlformats.org/presentationml/2006/main" xmlns:r="http://schemas.openxmlformats.org/officeDocument/2006/relationships" xmlns:a="http://schemas.openxmlformats.org/drawingml/2006/main" xmlns="" val="0"/>
               </a:ext>
             </a:extLst>
           </a:blip>
-          <a:srcRect l="4887" t="20091" r="6194" b="4913"/>
-          <a:stretch/>
+          <a:stretch>
+            <a:fillRect/>
+          </a:stretch>
         </p:blipFill>
         <p:spPr>
           <a:xfrm>
-            <a:off x="4179589" y="3530050"/>
-            <a:ext cx="1744578" cy="1483337"/>
+            <a:off x="1111928" y="3076293"/>
+            <a:ext cx="2716585" cy="3472254"/>
+          </a:xfrm>
+          <a:prstGeom prst="rect">
+            <a:avLst/>
+          </a:prstGeom>
+        </p:spPr>
+      </p:pic>
+      <p:pic>
+        <p:nvPicPr>
+          <p:cNvPr id="10" name="図 9" descr="201403121826.png"/>
+          <p:cNvPicPr>
+            <a:picLocks noChangeAspect="1"/>
+          </p:cNvPicPr>
+          <p:nvPr/>
+        </p:nvPicPr>
+        <p:blipFill>
+          <a:blip r:embed="rId3">
+            <a:extLst>
+              <a:ext uri="{28A0092B-C50C-407E-A947-70E740481C1C}">
+                <a14:useLocalDpi xmlns:a14="http://schemas.microsoft.com/office/drawing/2010/main" xmlns:p="http://schemas.openxmlformats.org/presentationml/2006/main" xmlns:r="http://schemas.openxmlformats.org/officeDocument/2006/relationships" xmlns:a="http://schemas.openxmlformats.org/drawingml/2006/main" xmlns="" val="0"/>
+              </a:ext>
+            </a:extLst>
+          </a:blip>
+          <a:stretch>
+            <a:fillRect/>
+          </a:stretch>
+        </p:blipFill>
+        <p:spPr>
+          <a:xfrm>
+            <a:off x="4301289" y="3076293"/>
+            <a:ext cx="4775773" cy="3472254"/>
           </a:xfrm>
           <a:prstGeom prst="rect">
             <a:avLst/>
@@ -21987,7 +20129,7 @@
     </p:spTree>
     <p:extLst>
       <p:ext uri="{BB962C8B-B14F-4D97-AF65-F5344CB8AC3E}">
-        <p14:creationId xmlns="" xmlns:a="http://schemas.openxmlformats.org/drawingml/2006/main" xmlns:r="http://schemas.openxmlformats.org/officeDocument/2006/relationships" xmlns:p="http://schemas.openxmlformats.org/presentationml/2006/main" xmlns:p14="http://schemas.microsoft.com/office/powerpoint/2010/main" xmlns:mv="urn:schemas-microsoft-com:mac:vml" xmlns:mc="http://schemas.openxmlformats.org/markup-compatibility/2006" val="2936151834"/>
+        <p14:creationId xmlns:p14="http://schemas.microsoft.com/office/powerpoint/2010/main" xmlns:p="http://schemas.openxmlformats.org/presentationml/2006/main" xmlns:r="http://schemas.openxmlformats.org/officeDocument/2006/relationships" xmlns:a="http://schemas.openxmlformats.org/drawingml/2006/main" xmlns="" val="1281703218"/>
       </p:ext>
     </p:extLst>
   </p:cSld>
@@ -22042,15 +20184,15 @@
             </a:r>
             <a:r>
               <a:rPr lang="ja-JP" altLang="en-US" dirty="0" smtClean="0"/>
-              <a:t>称号機能</a:t>
-            </a:r>
-            <a:endParaRPr lang="ja-JP" altLang="en-US" dirty="0"/>
+              <a:t>入会支援サイト</a:t>
+            </a:r>
+            <a:endParaRPr kumimoji="1" lang="ja-JP" altLang="en-US" dirty="0"/>
           </a:p>
         </p:txBody>
       </p:sp>
       <p:sp>
         <p:nvSpPr>
-          <p:cNvPr id="3" name="テキスト プレースホルダ 2"/>
+          <p:cNvPr id="3" name="テキスト プレースホルダー 2"/>
           <p:cNvSpPr>
             <a:spLocks noGrp="1"/>
           </p:cNvSpPr>
@@ -22064,20 +20206,20 @@
           <a:lstStyle/>
           <a:p>
             <a:r>
+              <a:rPr lang="ja-JP" altLang="en-US" dirty="0"/>
+              <a:t>　</a:t>
+            </a:r>
+            <a:r>
               <a:rPr lang="ja-JP" altLang="en-US" dirty="0" smtClean="0"/>
-              <a:t>　</a:t>
-            </a:r>
-            <a:r>
-              <a:rPr lang="ja-JP" altLang="en-US" dirty="0" smtClean="0"/>
-              <a:t>称号機能</a:t>
-            </a:r>
-            <a:endParaRPr lang="ja-JP" altLang="en-US" dirty="0"/>
+              <a:t>入会支援サイト</a:t>
+            </a:r>
+            <a:endParaRPr kumimoji="1" lang="ja-JP" altLang="en-US" dirty="0"/>
           </a:p>
         </p:txBody>
       </p:sp>
       <p:sp>
         <p:nvSpPr>
-          <p:cNvPr id="5" name="テキスト ボックス 4"/>
+          <p:cNvPr id="4" name="テキスト ボックス 3"/>
           <p:cNvSpPr txBox="1"/>
           <p:nvPr/>
         </p:nvSpPr>
@@ -22113,8 +20255,15 @@
                 <a:latin typeface="+mn-ea"/>
                 <a:ea typeface="+mn-ea"/>
               </a:rPr>
-              <a:t>会員</a:t>
-            </a:r>
+              <a:t>会のホームページを自分でつくることができない方のために、</a:t>
+            </a:r>
+          </a:p>
+          <a:p>
+            <a:pPr>
+              <a:lnSpc>
+                <a:spcPct val="150000"/>
+              </a:lnSpc>
+            </a:pPr>
             <a:r>
               <a:rPr lang="ja-JP" altLang="en-US" sz="1600" dirty="0" smtClean="0">
                 <a:solidFill>
@@ -22126,10 +20275,17 @@
                 <a:latin typeface="+mn-ea"/>
                 <a:ea typeface="+mn-ea"/>
               </a:rPr>
-              <a:t>に称号を付与することができます。</a:t>
-            </a:r>
-            <a:r>
-              <a:rPr lang="en-US" altLang="ja-JP" sz="1600" dirty="0" smtClean="0">
+              <a:t>コミュニティへの新規入会者を増やすための入会サイトを無料で提供します。</a:t>
+            </a:r>
+          </a:p>
+          <a:p>
+            <a:pPr>
+              <a:lnSpc>
+                <a:spcPct val="150000"/>
+              </a:lnSpc>
+            </a:pPr>
+            <a:r>
+              <a:rPr lang="ja-JP" altLang="en-US" sz="1600" dirty="0" smtClean="0">
                 <a:solidFill>
                   <a:schemeClr val="tx1">
                     <a:lumMod val="75000"/>
@@ -22139,10 +20295,10 @@
                 <a:latin typeface="+mn-ea"/>
                 <a:ea typeface="+mn-ea"/>
               </a:rPr>
-              <a:t>SNS</a:t>
-            </a:r>
-            <a:r>
-              <a:rPr lang="ja-JP" altLang="en-US" sz="1600" dirty="0" smtClean="0">
+              <a:t>・コミュニティ紹介</a:t>
+            </a:r>
+            <a:r>
+              <a:rPr lang="ja-JP" altLang="en-US" sz="1600" dirty="0">
                 <a:solidFill>
                   <a:schemeClr val="tx1">
                     <a:lumMod val="75000"/>
@@ -22152,7 +20308,46 @@
                 <a:latin typeface="+mn-ea"/>
                 <a:ea typeface="+mn-ea"/>
               </a:rPr>
-              <a:t>内プロフィールに称号画像を表示したり、ニックネームの後ろに称号を表示することができます。</a:t>
+              <a:t>　</a:t>
+            </a:r>
+            <a:r>
+              <a:rPr lang="ja-JP" altLang="en-US" sz="1600" dirty="0" smtClean="0">
+                <a:solidFill>
+                  <a:schemeClr val="tx1">
+                    <a:lumMod val="75000"/>
+                    <a:lumOff val="25000"/>
+                  </a:schemeClr>
+                </a:solidFill>
+                <a:latin typeface="+mn-ea"/>
+                <a:ea typeface="+mn-ea"/>
+              </a:rPr>
+              <a:t>／</a:t>
+            </a:r>
+            <a:r>
+              <a:rPr lang="en-US" altLang="ja-JP" sz="1600" dirty="0" smtClean="0">
+                <a:solidFill>
+                  <a:schemeClr val="tx1">
+                    <a:lumMod val="75000"/>
+                    <a:lumOff val="25000"/>
+                  </a:schemeClr>
+                </a:solidFill>
+                <a:latin typeface="+mn-ea"/>
+                <a:ea typeface="+mn-ea"/>
+              </a:rPr>
+              <a:t> </a:t>
+            </a:r>
+            <a:r>
+              <a:rPr lang="ja-JP" altLang="en-US" sz="1600" dirty="0" smtClean="0">
+                <a:solidFill>
+                  <a:schemeClr val="tx1">
+                    <a:lumMod val="75000"/>
+                    <a:lumOff val="25000"/>
+                  </a:schemeClr>
+                </a:solidFill>
+                <a:latin typeface="+mn-ea"/>
+                <a:ea typeface="+mn-ea"/>
+              </a:rPr>
+              <a:t>　入会登録（クレジットカード登録）</a:t>
             </a:r>
             <a:endParaRPr lang="en-US" altLang="ja-JP" sz="1600" dirty="0" smtClean="0">
               <a:solidFill>
@@ -22172,7 +20367,7 @@
               </a:lnSpc>
             </a:pPr>
             <a:r>
-              <a:rPr lang="ja-JP" altLang="en-US" sz="1600" dirty="0" smtClean="0">
+              <a:rPr lang="en-US" altLang="ja-JP" sz="1600" dirty="0" smtClean="0">
                 <a:solidFill>
                   <a:schemeClr val="tx1">
                     <a:lumMod val="75000"/>
@@ -22182,9 +20377,22 @@
                 <a:latin typeface="+mn-ea"/>
                 <a:ea typeface="+mn-ea"/>
               </a:rPr>
-              <a:t>称号の付与は管理画面にて行ないます。一人の会員に対して複数の称号を付与することができ、会員はどの称号を表示するかを選択することができます。</a:t>
-            </a:r>
-            <a:endParaRPr lang="ja-JP" altLang="en-US" sz="1600" dirty="0" smtClean="0">
+              <a:t>※</a:t>
+            </a:r>
+            <a:r>
+              <a:rPr lang="ja-JP" altLang="en-US" sz="1600" dirty="0" smtClean="0">
+                <a:solidFill>
+                  <a:schemeClr val="tx1">
+                    <a:lumMod val="75000"/>
+                    <a:lumOff val="25000"/>
+                  </a:schemeClr>
+                </a:solidFill>
+                <a:latin typeface="+mn-ea"/>
+                <a:ea typeface="+mn-ea"/>
+              </a:rPr>
+              <a:t>写真は、埼玉県の自然体験コミュニティでの構築例</a:t>
+            </a:r>
+            <a:endParaRPr lang="en-US" altLang="ja-JP" sz="1600" dirty="0" smtClean="0">
               <a:solidFill>
                 <a:schemeClr val="tx1">
                   <a:lumMod val="75000"/>
@@ -22199,22 +20407,86 @@
       </p:sp>
       <p:pic>
         <p:nvPicPr>
-          <p:cNvPr id="33" name="図 32" descr="スクリーンショット 2014-02-28 13.45.33.png"/>
+          <p:cNvPr id="5" name="図 4" descr="201401242048.png"/>
+          <p:cNvPicPr>
+            <a:picLocks noChangeAspect="1"/>
+          </p:cNvPicPr>
+          <p:nvPr/>
+        </p:nvPicPr>
+        <p:blipFill rotWithShape="1">
+          <a:blip r:embed="rId2">
+            <a:extLst>
+              <a:ext uri="{28A0092B-C50C-407E-A947-70E740481C1C}">
+                <a14:useLocalDpi xmlns:a14="http://schemas.microsoft.com/office/drawing/2010/main" xmlns:p="http://schemas.openxmlformats.org/presentationml/2006/main" xmlns:r="http://schemas.openxmlformats.org/officeDocument/2006/relationships" xmlns:a="http://schemas.openxmlformats.org/drawingml/2006/main" xmlns="" val="0"/>
+              </a:ext>
+            </a:extLst>
+          </a:blip>
+          <a:srcRect l="2355"/>
+          <a:stretch/>
+        </p:blipFill>
+        <p:spPr>
+          <a:xfrm>
+            <a:off x="3748161" y="3045706"/>
+            <a:ext cx="2892926" cy="3647096"/>
+          </a:xfrm>
+          <a:prstGeom prst="rect">
+            <a:avLst/>
+          </a:prstGeom>
+        </p:spPr>
+      </p:pic>
+      <p:pic>
+        <p:nvPicPr>
+          <p:cNvPr id="6" name="図 5" descr="201401242049.png"/>
+          <p:cNvPicPr>
+            <a:picLocks noChangeAspect="1"/>
+          </p:cNvPicPr>
+          <p:nvPr/>
+        </p:nvPicPr>
+        <p:blipFill rotWithShape="1">
+          <a:blip r:embed="rId3">
+            <a:extLst>
+              <a:ext uri="{28A0092B-C50C-407E-A947-70E740481C1C}">
+                <a14:useLocalDpi xmlns:a14="http://schemas.microsoft.com/office/drawing/2010/main" xmlns:p="http://schemas.openxmlformats.org/presentationml/2006/main" xmlns:r="http://schemas.openxmlformats.org/officeDocument/2006/relationships" xmlns:a="http://schemas.openxmlformats.org/drawingml/2006/main" xmlns="" val="0"/>
+              </a:ext>
+            </a:extLst>
+          </a:blip>
+          <a:srcRect l="16196" t="11673" r="16994" b="4207"/>
+          <a:stretch/>
+        </p:blipFill>
+        <p:spPr>
+          <a:xfrm>
+            <a:off x="6859969" y="3768386"/>
+            <a:ext cx="2695555" cy="2858631"/>
+          </a:xfrm>
+          <a:prstGeom prst="rect">
+            <a:avLst/>
+          </a:prstGeom>
+        </p:spPr>
+      </p:pic>
+      <p:pic>
+        <p:nvPicPr>
+          <p:cNvPr id="9" name="図 8" descr="201401281435.png"/>
           <p:cNvPicPr>
             <a:picLocks noChangeAspect="1"/>
           </p:cNvPicPr>
           <p:nvPr/>
         </p:nvPicPr>
         <p:blipFill>
-          <a:blip r:embed="rId2"/>
+          <a:blip r:embed="rId4">
+            <a:extLst>
+              <a:ext uri="{28A0092B-C50C-407E-A947-70E740481C1C}">
+                <a14:useLocalDpi xmlns:a14="http://schemas.microsoft.com/office/drawing/2010/main" xmlns:p="http://schemas.openxmlformats.org/presentationml/2006/main" xmlns:r="http://schemas.openxmlformats.org/officeDocument/2006/relationships" xmlns:a="http://schemas.openxmlformats.org/drawingml/2006/main" xmlns="" val="0"/>
+              </a:ext>
+            </a:extLst>
+          </a:blip>
           <a:stretch>
             <a:fillRect/>
           </a:stretch>
         </p:blipFill>
         <p:spPr>
           <a:xfrm>
-            <a:off x="3044536" y="4007427"/>
-            <a:ext cx="2870200" cy="2514600"/>
+            <a:off x="216837" y="3045706"/>
+            <a:ext cx="3169550" cy="3647096"/>
           </a:xfrm>
           <a:prstGeom prst="rect">
             <a:avLst/>
@@ -22223,37 +20495,137 @@
       </p:pic>
       <p:sp>
         <p:nvSpPr>
-          <p:cNvPr id="35" name="角丸四角形 34"/>
+          <p:cNvPr id="10" name="テキスト ボックス 9"/>
+          <p:cNvSpPr txBox="1"/>
+          <p:nvPr/>
+        </p:nvSpPr>
+        <p:spPr>
+          <a:xfrm>
+            <a:off x="1579774" y="6411474"/>
+            <a:ext cx="1817284" cy="369332"/>
+          </a:xfrm>
+          <a:prstGeom prst="rect">
+            <a:avLst/>
+          </a:prstGeom>
+          <a:solidFill>
+            <a:schemeClr val="tx1">
+              <a:alpha val="34000"/>
+            </a:schemeClr>
+          </a:solidFill>
+        </p:spPr>
+        <p:txBody>
+          <a:bodyPr wrap="square" rtlCol="0">
+            <a:spAutoFit/>
+          </a:bodyPr>
+          <a:lstStyle/>
+          <a:p>
+            <a:pPr algn="r"/>
+            <a:r>
+              <a:rPr kumimoji="1" lang="ja-JP" altLang="en-US" dirty="0" smtClean="0"/>
+              <a:t>コミュニティ一覧</a:t>
+            </a:r>
+            <a:endParaRPr kumimoji="1" lang="ja-JP" altLang="en-US" dirty="0"/>
+          </a:p>
+        </p:txBody>
+      </p:sp>
+      <p:sp>
+        <p:nvSpPr>
+          <p:cNvPr id="11" name="テキスト ボックス 10"/>
+          <p:cNvSpPr txBox="1"/>
+          <p:nvPr/>
+        </p:nvSpPr>
+        <p:spPr>
+          <a:xfrm>
+            <a:off x="4823803" y="6411474"/>
+            <a:ext cx="1817284" cy="369332"/>
+          </a:xfrm>
+          <a:prstGeom prst="rect">
+            <a:avLst/>
+          </a:prstGeom>
+          <a:solidFill>
+            <a:schemeClr val="tx1">
+              <a:alpha val="34000"/>
+            </a:schemeClr>
+          </a:solidFill>
+        </p:spPr>
+        <p:txBody>
+          <a:bodyPr wrap="square" rtlCol="0">
+            <a:spAutoFit/>
+          </a:bodyPr>
+          <a:lstStyle/>
+          <a:p>
+            <a:pPr algn="r"/>
+            <a:r>
+              <a:rPr kumimoji="1" lang="ja-JP" altLang="en-US" dirty="0" smtClean="0"/>
+              <a:t>コミュニティ紹介</a:t>
+            </a:r>
+            <a:endParaRPr kumimoji="1" lang="ja-JP" altLang="en-US" dirty="0"/>
+          </a:p>
+        </p:txBody>
+      </p:sp>
+      <p:sp>
+        <p:nvSpPr>
+          <p:cNvPr id="12" name="テキスト ボックス 11"/>
+          <p:cNvSpPr txBox="1"/>
+          <p:nvPr/>
+        </p:nvSpPr>
+        <p:spPr>
+          <a:xfrm>
+            <a:off x="7738240" y="6411474"/>
+            <a:ext cx="1817284" cy="369332"/>
+          </a:xfrm>
+          <a:prstGeom prst="rect">
+            <a:avLst/>
+          </a:prstGeom>
+          <a:solidFill>
+            <a:schemeClr val="tx1">
+              <a:alpha val="34000"/>
+            </a:schemeClr>
+          </a:solidFill>
+        </p:spPr>
+        <p:txBody>
+          <a:bodyPr wrap="square" rtlCol="0">
+            <a:spAutoFit/>
+          </a:bodyPr>
+          <a:lstStyle/>
+          <a:p>
+            <a:pPr algn="r"/>
+            <a:r>
+              <a:rPr kumimoji="1" lang="ja-JP" altLang="en-US" dirty="0" smtClean="0"/>
+              <a:t>入会登録</a:t>
+            </a:r>
+            <a:endParaRPr kumimoji="1" lang="ja-JP" altLang="en-US" dirty="0"/>
+          </a:p>
+        </p:txBody>
+      </p:sp>
+      <p:sp>
+        <p:nvSpPr>
+          <p:cNvPr id="13" name="斜め縞 12"/>
           <p:cNvSpPr/>
           <p:nvPr/>
         </p:nvSpPr>
         <p:spPr>
-          <a:xfrm>
-            <a:off x="3271476" y="3637601"/>
-            <a:ext cx="2328072" cy="531283"/>
+          <a:xfrm flipH="1">
+            <a:off x="8115889" y="1"/>
+            <a:ext cx="1800000" cy="1800000"/>
           </a:xfrm>
-          <a:prstGeom prst="roundRect">
-            <a:avLst/>
+          <a:prstGeom prst="diagStripe">
+            <a:avLst>
+              <a:gd name="adj" fmla="val 64286"/>
+            </a:avLst>
           </a:prstGeom>
-          <a:solidFill>
-            <a:srgbClr val="CF6368">
-              <a:alpha val="70000"/>
-            </a:srgbClr>
-          </a:solidFill>
-          <a:ln>
-            <a:noFill/>
-          </a:ln>
-          <a:effectLst/>
         </p:spPr>
         <p:style>
-          <a:lnRef idx="1">
-            <a:schemeClr val="accent1"/>
+          <a:lnRef idx="2">
+            <a:schemeClr val="accent2">
+              <a:shade val="50000"/>
+            </a:schemeClr>
           </a:lnRef>
-          <a:fillRef idx="3">
-            <a:schemeClr val="accent1"/>
+          <a:fillRef idx="1">
+            <a:schemeClr val="accent2"/>
           </a:fillRef>
-          <a:effectRef idx="2">
-            <a:schemeClr val="accent1"/>
+          <a:effectRef idx="0">
+            <a:schemeClr val="accent2"/>
           </a:effectRef>
           <a:fontRef idx="minor">
             <a:schemeClr val="lt1"/>
@@ -22264,20 +20636,63 @@
           <a:lstStyle/>
           <a:p>
             <a:pPr algn="ctr"/>
-            <a:r>
-              <a:rPr kumimoji="1" lang="ja-JP" altLang="en-US" sz="1600" dirty="0" smtClean="0">
+            <a:endParaRPr kumimoji="1" lang="ja-JP" altLang="en-US">
+              <a:solidFill>
+                <a:schemeClr val="tx1"/>
+              </a:solidFill>
+            </a:endParaRPr>
+          </a:p>
+        </p:txBody>
+      </p:sp>
+      <p:sp>
+        <p:nvSpPr>
+          <p:cNvPr id="14" name="テキスト ボックス 13"/>
+          <p:cNvSpPr txBox="1"/>
+          <p:nvPr/>
+        </p:nvSpPr>
+        <p:spPr>
+          <a:xfrm rot="2700000">
+            <a:off x="8250017" y="534643"/>
+            <a:ext cx="1842322" cy="400110"/>
+          </a:xfrm>
+          <a:prstGeom prst="rect">
+            <a:avLst/>
+          </a:prstGeom>
+          <a:noFill/>
+        </p:spPr>
+        <p:txBody>
+          <a:bodyPr wrap="square" rtlCol="0">
+            <a:spAutoFit/>
+          </a:bodyPr>
+          <a:lstStyle/>
+          <a:p>
+            <a:pPr algn="ctr"/>
+            <a:r>
+              <a:rPr kumimoji="1" lang="en-US" altLang="ja-JP" sz="2000" dirty="0" smtClean="0">
                 <a:solidFill>
                   <a:schemeClr val="bg1"/>
                 </a:solidFill>
                 <a:latin typeface="+mn-ea"/>
-              </a:rPr>
-              <a:t>プレミアムメンバー</a:t>
-            </a:r>
-            <a:endParaRPr kumimoji="1" lang="ja-JP" altLang="en-US" sz="1600" dirty="0">
+                <a:ea typeface="+mn-ea"/>
+              </a:rPr>
+              <a:t>5</a:t>
+            </a:r>
+            <a:r>
+              <a:rPr kumimoji="1" lang="ja-JP" altLang="en-US" sz="2000" dirty="0" smtClean="0">
+                <a:solidFill>
+                  <a:schemeClr val="bg1"/>
+                </a:solidFill>
+                <a:latin typeface="+mn-ea"/>
+                <a:ea typeface="+mn-ea"/>
+              </a:rPr>
+              <a:t>月提供予定</a:t>
+            </a:r>
+            <a:endParaRPr kumimoji="1" lang="ja-JP" altLang="en-US" sz="2000" dirty="0">
               <a:solidFill>
                 <a:schemeClr val="bg1"/>
               </a:solidFill>
               <a:latin typeface="+mn-ea"/>
+              <a:ea typeface="+mn-ea"/>
             </a:endParaRPr>
           </a:p>
         </p:txBody>
@@ -22285,7 +20700,7 @@
     </p:spTree>
     <p:extLst>
       <p:ext uri="{BB962C8B-B14F-4D97-AF65-F5344CB8AC3E}">
-        <p14:creationId xmlns="" xmlns:a="http://schemas.openxmlformats.org/drawingml/2006/main" xmlns:r="http://schemas.openxmlformats.org/officeDocument/2006/relationships" xmlns:p="http://schemas.openxmlformats.org/presentationml/2006/main" xmlns:p14="http://schemas.microsoft.com/office/powerpoint/2010/main" xmlns:mv="urn:schemas-microsoft-com:mac:vml" xmlns:mc="http://schemas.openxmlformats.org/markup-compatibility/2006" val="2936151834"/>
+        <p14:creationId xmlns:p14="http://schemas.microsoft.com/office/powerpoint/2010/main" xmlns:p="http://schemas.openxmlformats.org/presentationml/2006/main" xmlns:r="http://schemas.openxmlformats.org/officeDocument/2006/relationships" xmlns:a="http://schemas.openxmlformats.org/drawingml/2006/main" xmlns="" val="1202985380"/>
       </p:ext>
     </p:extLst>
   </p:cSld>
